--- a/documents/qubot.pptx
+++ b/documents/qubot.pptx
@@ -6,6 +6,8 @@
   </p:sldMasterIdLst>
   <p:sldIdLst>
     <p:sldId id="256" r:id="rId2"/>
+    <p:sldId id="257" r:id="rId3"/>
+    <p:sldId id="258" r:id="rId4"/>
   </p:sldIdLst>
   <p:sldSz cx="12192000" cy="6858000"/>
   <p:notesSz cx="6858000" cy="9144000"/>
@@ -104,6 +106,11 @@
       </a:defRPr>
     </a:lvl9pPr>
   </p:defaultTextStyle>
+  <p:extLst>
+    <p:ext uri="{EFAFB233-063F-42B5-8137-9DF3F51BA10A}">
+      <p15:sldGuideLst xmlns:p15="http://schemas.microsoft.com/office/powerpoint/2012/main"/>
+    </p:ext>
+  </p:extLst>
 </p:presentation>
 </file>
 
@@ -254,7 +261,7 @@
           <a:p>
             <a:fld id="{15D4E2C9-E631-47C2-838B-C53D0C99B7B6}" type="datetimeFigureOut">
               <a:rPr lang="ko-KR" altLang="en-US" smtClean="0"/>
-              <a:t>2020-12-15(Tue)</a:t>
+              <a:t>2021-01-17(Sun)</a:t>
             </a:fld>
             <a:endParaRPr lang="ko-KR" altLang="en-US"/>
           </a:p>
@@ -452,7 +459,7 @@
           <a:p>
             <a:fld id="{15D4E2C9-E631-47C2-838B-C53D0C99B7B6}" type="datetimeFigureOut">
               <a:rPr lang="ko-KR" altLang="en-US" smtClean="0"/>
-              <a:t>2020-12-15(Tue)</a:t>
+              <a:t>2021-01-17(Sun)</a:t>
             </a:fld>
             <a:endParaRPr lang="ko-KR" altLang="en-US"/>
           </a:p>
@@ -660,7 +667,7 @@
           <a:p>
             <a:fld id="{15D4E2C9-E631-47C2-838B-C53D0C99B7B6}" type="datetimeFigureOut">
               <a:rPr lang="ko-KR" altLang="en-US" smtClean="0"/>
-              <a:t>2020-12-15(Tue)</a:t>
+              <a:t>2021-01-17(Sun)</a:t>
             </a:fld>
             <a:endParaRPr lang="ko-KR" altLang="en-US"/>
           </a:p>
@@ -858,7 +865,7 @@
           <a:p>
             <a:fld id="{15D4E2C9-E631-47C2-838B-C53D0C99B7B6}" type="datetimeFigureOut">
               <a:rPr lang="ko-KR" altLang="en-US" smtClean="0"/>
-              <a:t>2020-12-15(Tue)</a:t>
+              <a:t>2021-01-17(Sun)</a:t>
             </a:fld>
             <a:endParaRPr lang="ko-KR" altLang="en-US"/>
           </a:p>
@@ -1133,7 +1140,7 @@
           <a:p>
             <a:fld id="{15D4E2C9-E631-47C2-838B-C53D0C99B7B6}" type="datetimeFigureOut">
               <a:rPr lang="ko-KR" altLang="en-US" smtClean="0"/>
-              <a:t>2020-12-15(Tue)</a:t>
+              <a:t>2021-01-17(Sun)</a:t>
             </a:fld>
             <a:endParaRPr lang="ko-KR" altLang="en-US"/>
           </a:p>
@@ -1398,7 +1405,7 @@
           <a:p>
             <a:fld id="{15D4E2C9-E631-47C2-838B-C53D0C99B7B6}" type="datetimeFigureOut">
               <a:rPr lang="ko-KR" altLang="en-US" smtClean="0"/>
-              <a:t>2020-12-15(Tue)</a:t>
+              <a:t>2021-01-17(Sun)</a:t>
             </a:fld>
             <a:endParaRPr lang="ko-KR" altLang="en-US"/>
           </a:p>
@@ -1810,7 +1817,7 @@
           <a:p>
             <a:fld id="{15D4E2C9-E631-47C2-838B-C53D0C99B7B6}" type="datetimeFigureOut">
               <a:rPr lang="ko-KR" altLang="en-US" smtClean="0"/>
-              <a:t>2020-12-15(Tue)</a:t>
+              <a:t>2021-01-17(Sun)</a:t>
             </a:fld>
             <a:endParaRPr lang="ko-KR" altLang="en-US"/>
           </a:p>
@@ -1951,7 +1958,7 @@
           <a:p>
             <a:fld id="{15D4E2C9-E631-47C2-838B-C53D0C99B7B6}" type="datetimeFigureOut">
               <a:rPr lang="ko-KR" altLang="en-US" smtClean="0"/>
-              <a:t>2020-12-15(Tue)</a:t>
+              <a:t>2021-01-17(Sun)</a:t>
             </a:fld>
             <a:endParaRPr lang="ko-KR" altLang="en-US"/>
           </a:p>
@@ -2064,7 +2071,7 @@
           <a:p>
             <a:fld id="{15D4E2C9-E631-47C2-838B-C53D0C99B7B6}" type="datetimeFigureOut">
               <a:rPr lang="ko-KR" altLang="en-US" smtClean="0"/>
-              <a:t>2020-12-15(Tue)</a:t>
+              <a:t>2021-01-17(Sun)</a:t>
             </a:fld>
             <a:endParaRPr lang="ko-KR" altLang="en-US"/>
           </a:p>
@@ -2375,7 +2382,7 @@
           <a:p>
             <a:fld id="{15D4E2C9-E631-47C2-838B-C53D0C99B7B6}" type="datetimeFigureOut">
               <a:rPr lang="ko-KR" altLang="en-US" smtClean="0"/>
-              <a:t>2020-12-15(Tue)</a:t>
+              <a:t>2021-01-17(Sun)</a:t>
             </a:fld>
             <a:endParaRPr lang="ko-KR" altLang="en-US"/>
           </a:p>
@@ -2663,7 +2670,7 @@
           <a:p>
             <a:fld id="{15D4E2C9-E631-47C2-838B-C53D0C99B7B6}" type="datetimeFigureOut">
               <a:rPr lang="ko-KR" altLang="en-US" smtClean="0"/>
-              <a:t>2020-12-15(Tue)</a:t>
+              <a:t>2021-01-17(Sun)</a:t>
             </a:fld>
             <a:endParaRPr lang="ko-KR" altLang="en-US"/>
           </a:p>
@@ -2904,7 +2911,7 @@
           <a:p>
             <a:fld id="{15D4E2C9-E631-47C2-838B-C53D0C99B7B6}" type="datetimeFigureOut">
               <a:rPr lang="ko-KR" altLang="en-US" smtClean="0"/>
-              <a:t>2020-12-15(Tue)</a:t>
+              <a:t>2021-01-17(Sun)</a:t>
             </a:fld>
             <a:endParaRPr lang="ko-KR" altLang="en-US"/>
           </a:p>
@@ -3321,10 +3328,3896 @@
           <a:chExt cx="0" cy="0"/>
         </a:xfrm>
       </p:grpSpPr>
+      <p:sp>
+        <p:nvSpPr>
+          <p:cNvPr id="2" name="직사각형 1">
+            <a:extLst>
+              <a:ext uri="{FF2B5EF4-FFF2-40B4-BE49-F238E27FC236}">
+                <a16:creationId xmlns:a16="http://schemas.microsoft.com/office/drawing/2014/main" id="{0B439EF8-5436-4A91-80AD-757A5BED9A3C}"/>
+              </a:ext>
+            </a:extLst>
+          </p:cNvPr>
+          <p:cNvSpPr/>
+          <p:nvPr/>
+        </p:nvSpPr>
+        <p:spPr>
+          <a:xfrm>
+            <a:off x="5428725" y="2382474"/>
+            <a:ext cx="1157681" cy="780176"/>
+          </a:xfrm>
+          <a:prstGeom prst="rect">
+            <a:avLst/>
+          </a:prstGeom>
+        </p:spPr>
+        <p:style>
+          <a:lnRef idx="1">
+            <a:schemeClr val="accent5"/>
+          </a:lnRef>
+          <a:fillRef idx="2">
+            <a:schemeClr val="accent5"/>
+          </a:fillRef>
+          <a:effectRef idx="1">
+            <a:schemeClr val="accent5"/>
+          </a:effectRef>
+          <a:fontRef idx="minor">
+            <a:schemeClr val="dk1"/>
+          </a:fontRef>
+        </p:style>
+        <p:txBody>
+          <a:bodyPr rtlCol="0" anchor="ctr"/>
+          <a:lstStyle/>
+          <a:p>
+            <a:pPr algn="ctr"/>
+            <a:r>
+              <a:rPr lang="en-US" altLang="ko-KR" dirty="0"/>
+              <a:t>Python</a:t>
+            </a:r>
+            <a:endParaRPr lang="ko-KR" altLang="en-US" dirty="0"/>
+          </a:p>
+        </p:txBody>
+      </p:sp>
+      <p:sp>
+        <p:nvSpPr>
+          <p:cNvPr id="3" name="순서도: 자기 디스크 2">
+            <a:extLst>
+              <a:ext uri="{FF2B5EF4-FFF2-40B4-BE49-F238E27FC236}">
+                <a16:creationId xmlns:a16="http://schemas.microsoft.com/office/drawing/2014/main" id="{26DC1EB3-5BA6-46D0-92B8-DD1470F87C73}"/>
+              </a:ext>
+            </a:extLst>
+          </p:cNvPr>
+          <p:cNvSpPr/>
+          <p:nvPr/>
+        </p:nvSpPr>
+        <p:spPr>
+          <a:xfrm>
+            <a:off x="8222615" y="2290194"/>
+            <a:ext cx="1157681" cy="964734"/>
+          </a:xfrm>
+          <a:prstGeom prst="flowChartMagneticDisk">
+            <a:avLst/>
+          </a:prstGeom>
+        </p:spPr>
+        <p:style>
+          <a:lnRef idx="1">
+            <a:schemeClr val="accent5"/>
+          </a:lnRef>
+          <a:fillRef idx="2">
+            <a:schemeClr val="accent5"/>
+          </a:fillRef>
+          <a:effectRef idx="1">
+            <a:schemeClr val="accent5"/>
+          </a:effectRef>
+          <a:fontRef idx="minor">
+            <a:schemeClr val="dk1"/>
+          </a:fontRef>
+        </p:style>
+        <p:txBody>
+          <a:bodyPr rtlCol="0" anchor="ctr"/>
+          <a:lstStyle/>
+          <a:p>
+            <a:pPr algn="ctr"/>
+            <a:r>
+              <a:rPr lang="en-US" altLang="ko-KR" dirty="0"/>
+              <a:t>MariaDB</a:t>
+            </a:r>
+          </a:p>
+          <a:p>
+            <a:pPr algn="ctr"/>
+            <a:r>
+              <a:rPr lang="en-US" altLang="ko-KR" dirty="0"/>
+              <a:t>(Local)</a:t>
+            </a:r>
+            <a:endParaRPr lang="ko-KR" altLang="en-US" dirty="0"/>
+          </a:p>
+        </p:txBody>
+      </p:sp>
+      <p:sp>
+        <p:nvSpPr>
+          <p:cNvPr id="4" name="직사각형 3">
+            <a:extLst>
+              <a:ext uri="{FF2B5EF4-FFF2-40B4-BE49-F238E27FC236}">
+                <a16:creationId xmlns:a16="http://schemas.microsoft.com/office/drawing/2014/main" id="{FED9B9F3-1E4A-4D7B-BB8B-8796CF201D31}"/>
+              </a:ext>
+            </a:extLst>
+          </p:cNvPr>
+          <p:cNvSpPr/>
+          <p:nvPr/>
+        </p:nvSpPr>
+        <p:spPr>
+          <a:xfrm>
+            <a:off x="1928765" y="1147719"/>
+            <a:ext cx="1157681" cy="780176"/>
+          </a:xfrm>
+          <a:prstGeom prst="rect">
+            <a:avLst/>
+          </a:prstGeom>
+        </p:spPr>
+        <p:style>
+          <a:lnRef idx="1">
+            <a:schemeClr val="accent5"/>
+          </a:lnRef>
+          <a:fillRef idx="2">
+            <a:schemeClr val="accent5"/>
+          </a:fillRef>
+          <a:effectRef idx="1">
+            <a:schemeClr val="accent5"/>
+          </a:effectRef>
+          <a:fontRef idx="minor">
+            <a:schemeClr val="dk1"/>
+          </a:fontRef>
+        </p:style>
+        <p:txBody>
+          <a:bodyPr rtlCol="0" anchor="ctr"/>
+          <a:lstStyle/>
+          <a:p>
+            <a:pPr algn="ctr"/>
+            <a:r>
+              <a:rPr lang="en-US" altLang="ko-KR" dirty="0" err="1"/>
+              <a:t>Naver</a:t>
+            </a:r>
+            <a:endParaRPr lang="ko-KR" altLang="en-US" dirty="0"/>
+          </a:p>
+        </p:txBody>
+      </p:sp>
+      <p:sp>
+        <p:nvSpPr>
+          <p:cNvPr id="6" name="직사각형 5">
+            <a:extLst>
+              <a:ext uri="{FF2B5EF4-FFF2-40B4-BE49-F238E27FC236}">
+                <a16:creationId xmlns:a16="http://schemas.microsoft.com/office/drawing/2014/main" id="{6D9FD3ED-E3A5-4F6A-B131-A47C5876B78E}"/>
+              </a:ext>
+            </a:extLst>
+          </p:cNvPr>
+          <p:cNvSpPr/>
+          <p:nvPr/>
+        </p:nvSpPr>
+        <p:spPr>
+          <a:xfrm>
+            <a:off x="1928765" y="4190300"/>
+            <a:ext cx="1157681" cy="780176"/>
+          </a:xfrm>
+          <a:prstGeom prst="rect">
+            <a:avLst/>
+          </a:prstGeom>
+        </p:spPr>
+        <p:style>
+          <a:lnRef idx="1">
+            <a:schemeClr val="accent5"/>
+          </a:lnRef>
+          <a:fillRef idx="2">
+            <a:schemeClr val="accent5"/>
+          </a:fillRef>
+          <a:effectRef idx="1">
+            <a:schemeClr val="accent5"/>
+          </a:effectRef>
+          <a:fontRef idx="minor">
+            <a:schemeClr val="dk1"/>
+          </a:fontRef>
+        </p:style>
+        <p:txBody>
+          <a:bodyPr rtlCol="0" anchor="ctr"/>
+          <a:lstStyle/>
+          <a:p>
+            <a:pPr algn="ctr"/>
+            <a:r>
+              <a:rPr lang="en-US" altLang="ko-KR" dirty="0"/>
+              <a:t>DART</a:t>
+            </a:r>
+            <a:endParaRPr lang="ko-KR" altLang="en-US" dirty="0"/>
+          </a:p>
+        </p:txBody>
+      </p:sp>
+      <p:sp>
+        <p:nvSpPr>
+          <p:cNvPr id="7" name="직사각형 6">
+            <a:extLst>
+              <a:ext uri="{FF2B5EF4-FFF2-40B4-BE49-F238E27FC236}">
+                <a16:creationId xmlns:a16="http://schemas.microsoft.com/office/drawing/2014/main" id="{85C5A7B8-43EC-4EC9-8FAD-04D9B20F6EF5}"/>
+              </a:ext>
+            </a:extLst>
+          </p:cNvPr>
+          <p:cNvSpPr/>
+          <p:nvPr/>
+        </p:nvSpPr>
+        <p:spPr>
+          <a:xfrm>
+            <a:off x="1928765" y="2669009"/>
+            <a:ext cx="1157681" cy="780176"/>
+          </a:xfrm>
+          <a:prstGeom prst="rect">
+            <a:avLst/>
+          </a:prstGeom>
+        </p:spPr>
+        <p:style>
+          <a:lnRef idx="1">
+            <a:schemeClr val="accent5"/>
+          </a:lnRef>
+          <a:fillRef idx="2">
+            <a:schemeClr val="accent5"/>
+          </a:fillRef>
+          <a:effectRef idx="1">
+            <a:schemeClr val="accent5"/>
+          </a:effectRef>
+          <a:fontRef idx="minor">
+            <a:schemeClr val="dk1"/>
+          </a:fontRef>
+        </p:style>
+        <p:txBody>
+          <a:bodyPr rtlCol="0" anchor="ctr"/>
+          <a:lstStyle/>
+          <a:p>
+            <a:pPr algn="ctr"/>
+            <a:r>
+              <a:rPr lang="en-US" altLang="ko-KR" dirty="0"/>
+              <a:t>KIND</a:t>
+            </a:r>
+            <a:endParaRPr lang="ko-KR" altLang="en-US" dirty="0"/>
+          </a:p>
+        </p:txBody>
+      </p:sp>
+      <p:sp>
+        <p:nvSpPr>
+          <p:cNvPr id="8" name="직사각형 7">
+            <a:extLst>
+              <a:ext uri="{FF2B5EF4-FFF2-40B4-BE49-F238E27FC236}">
+                <a16:creationId xmlns:a16="http://schemas.microsoft.com/office/drawing/2014/main" id="{3C5626F8-7D92-4638-8E61-C95E816C1A55}"/>
+              </a:ext>
+            </a:extLst>
+          </p:cNvPr>
+          <p:cNvSpPr/>
+          <p:nvPr/>
+        </p:nvSpPr>
+        <p:spPr>
+          <a:xfrm>
+            <a:off x="5428724" y="4190300"/>
+            <a:ext cx="1157681" cy="780176"/>
+          </a:xfrm>
+          <a:prstGeom prst="rect">
+            <a:avLst/>
+          </a:prstGeom>
+        </p:spPr>
+        <p:style>
+          <a:lnRef idx="1">
+            <a:schemeClr val="accent5"/>
+          </a:lnRef>
+          <a:fillRef idx="2">
+            <a:schemeClr val="accent5"/>
+          </a:fillRef>
+          <a:effectRef idx="1">
+            <a:schemeClr val="accent5"/>
+          </a:effectRef>
+          <a:fontRef idx="minor">
+            <a:schemeClr val="dk1"/>
+          </a:fontRef>
+        </p:style>
+        <p:txBody>
+          <a:bodyPr rtlCol="0" anchor="ctr"/>
+          <a:lstStyle/>
+          <a:p>
+            <a:pPr algn="ctr"/>
+            <a:r>
+              <a:rPr lang="en-US" altLang="ko-KR" dirty="0" err="1"/>
+              <a:t>github</a:t>
+            </a:r>
+            <a:endParaRPr lang="ko-KR" altLang="en-US" dirty="0"/>
+          </a:p>
+        </p:txBody>
+      </p:sp>
+      <p:sp>
+        <p:nvSpPr>
+          <p:cNvPr id="9" name="순서도: 자기 디스크 8">
+            <a:extLst>
+              <a:ext uri="{FF2B5EF4-FFF2-40B4-BE49-F238E27FC236}">
+                <a16:creationId xmlns:a16="http://schemas.microsoft.com/office/drawing/2014/main" id="{F62427F1-3C21-48FA-8D12-62AD79FFCC25}"/>
+              </a:ext>
+            </a:extLst>
+          </p:cNvPr>
+          <p:cNvSpPr/>
+          <p:nvPr/>
+        </p:nvSpPr>
+        <p:spPr>
+          <a:xfrm>
+            <a:off x="8257921" y="3908222"/>
+            <a:ext cx="1157681" cy="964734"/>
+          </a:xfrm>
+          <a:prstGeom prst="flowChartMagneticDisk">
+            <a:avLst/>
+          </a:prstGeom>
+        </p:spPr>
+        <p:style>
+          <a:lnRef idx="1">
+            <a:schemeClr val="accent5"/>
+          </a:lnRef>
+          <a:fillRef idx="2">
+            <a:schemeClr val="accent5"/>
+          </a:fillRef>
+          <a:effectRef idx="1">
+            <a:schemeClr val="accent5"/>
+          </a:effectRef>
+          <a:fontRef idx="minor">
+            <a:schemeClr val="dk1"/>
+          </a:fontRef>
+        </p:style>
+        <p:txBody>
+          <a:bodyPr rtlCol="0" anchor="ctr"/>
+          <a:lstStyle/>
+          <a:p>
+            <a:pPr algn="ctr"/>
+            <a:r>
+              <a:rPr lang="en-US" altLang="ko-KR" dirty="0"/>
+              <a:t>MariaDB</a:t>
+            </a:r>
+          </a:p>
+          <a:p>
+            <a:pPr algn="ctr"/>
+            <a:r>
+              <a:rPr lang="en-US" altLang="ko-KR" dirty="0"/>
+              <a:t>(NAS)</a:t>
+            </a:r>
+            <a:endParaRPr lang="ko-KR" altLang="en-US" dirty="0"/>
+          </a:p>
+        </p:txBody>
+      </p:sp>
+      <p:cxnSp>
+        <p:nvCxnSpPr>
+          <p:cNvPr id="11" name="연결선: 꺾임 10">
+            <a:extLst>
+              <a:ext uri="{FF2B5EF4-FFF2-40B4-BE49-F238E27FC236}">
+                <a16:creationId xmlns:a16="http://schemas.microsoft.com/office/drawing/2014/main" id="{E979BB2D-FF28-45AB-85BC-8F1925502335}"/>
+              </a:ext>
+            </a:extLst>
+          </p:cNvPr>
+          <p:cNvCxnSpPr>
+            <a:stCxn id="4" idx="3"/>
+            <a:endCxn id="2" idx="1"/>
+          </p:cNvCxnSpPr>
+          <p:nvPr/>
+        </p:nvCxnSpPr>
+        <p:spPr>
+          <a:xfrm>
+            <a:off x="3086446" y="1537807"/>
+            <a:ext cx="2342279" cy="1234755"/>
+          </a:xfrm>
+          <a:prstGeom prst="bentConnector3">
+            <a:avLst/>
+          </a:prstGeom>
+        </p:spPr>
+        <p:style>
+          <a:lnRef idx="1">
+            <a:schemeClr val="accent1"/>
+          </a:lnRef>
+          <a:fillRef idx="0">
+            <a:schemeClr val="accent1"/>
+          </a:fillRef>
+          <a:effectRef idx="0">
+            <a:schemeClr val="accent1"/>
+          </a:effectRef>
+          <a:fontRef idx="minor">
+            <a:schemeClr val="tx1"/>
+          </a:fontRef>
+        </p:style>
+      </p:cxnSp>
+      <p:cxnSp>
+        <p:nvCxnSpPr>
+          <p:cNvPr id="12" name="연결선: 꺾임 11">
+            <a:extLst>
+              <a:ext uri="{FF2B5EF4-FFF2-40B4-BE49-F238E27FC236}">
+                <a16:creationId xmlns:a16="http://schemas.microsoft.com/office/drawing/2014/main" id="{6292BE05-42C6-41D8-A04B-3B57B442ED0B}"/>
+              </a:ext>
+            </a:extLst>
+          </p:cNvPr>
+          <p:cNvCxnSpPr>
+            <a:cxnSpLocks/>
+            <a:stCxn id="7" idx="3"/>
+            <a:endCxn id="2" idx="1"/>
+          </p:cNvCxnSpPr>
+          <p:nvPr/>
+        </p:nvCxnSpPr>
+        <p:spPr>
+          <a:xfrm flipV="1">
+            <a:off x="3086446" y="2772562"/>
+            <a:ext cx="2342279" cy="286535"/>
+          </a:xfrm>
+          <a:prstGeom prst="bentConnector3">
+            <a:avLst/>
+          </a:prstGeom>
+        </p:spPr>
+        <p:style>
+          <a:lnRef idx="1">
+            <a:schemeClr val="accent1"/>
+          </a:lnRef>
+          <a:fillRef idx="0">
+            <a:schemeClr val="accent1"/>
+          </a:fillRef>
+          <a:effectRef idx="0">
+            <a:schemeClr val="accent1"/>
+          </a:effectRef>
+          <a:fontRef idx="minor">
+            <a:schemeClr val="tx1"/>
+          </a:fontRef>
+        </p:style>
+      </p:cxnSp>
+      <p:cxnSp>
+        <p:nvCxnSpPr>
+          <p:cNvPr id="15" name="연결선: 꺾임 14">
+            <a:extLst>
+              <a:ext uri="{FF2B5EF4-FFF2-40B4-BE49-F238E27FC236}">
+                <a16:creationId xmlns:a16="http://schemas.microsoft.com/office/drawing/2014/main" id="{E7FFD6BF-FBA7-4314-B8FE-18006A0C0852}"/>
+              </a:ext>
+            </a:extLst>
+          </p:cNvPr>
+          <p:cNvCxnSpPr>
+            <a:cxnSpLocks/>
+            <a:stCxn id="6" idx="3"/>
+            <a:endCxn id="2" idx="1"/>
+          </p:cNvCxnSpPr>
+          <p:nvPr/>
+        </p:nvCxnSpPr>
+        <p:spPr>
+          <a:xfrm flipV="1">
+            <a:off x="3086446" y="2772562"/>
+            <a:ext cx="2342279" cy="1807826"/>
+          </a:xfrm>
+          <a:prstGeom prst="bentConnector3">
+            <a:avLst/>
+          </a:prstGeom>
+        </p:spPr>
+        <p:style>
+          <a:lnRef idx="1">
+            <a:schemeClr val="accent1"/>
+          </a:lnRef>
+          <a:fillRef idx="0">
+            <a:schemeClr val="accent1"/>
+          </a:fillRef>
+          <a:effectRef idx="0">
+            <a:schemeClr val="accent1"/>
+          </a:effectRef>
+          <a:fontRef idx="minor">
+            <a:schemeClr val="tx1"/>
+          </a:fontRef>
+        </p:style>
+      </p:cxnSp>
+      <p:cxnSp>
+        <p:nvCxnSpPr>
+          <p:cNvPr id="18" name="연결선: 꺾임 17">
+            <a:extLst>
+              <a:ext uri="{FF2B5EF4-FFF2-40B4-BE49-F238E27FC236}">
+                <a16:creationId xmlns:a16="http://schemas.microsoft.com/office/drawing/2014/main" id="{18E5391F-570B-4188-AEA1-85A12CB81CE6}"/>
+              </a:ext>
+            </a:extLst>
+          </p:cNvPr>
+          <p:cNvCxnSpPr>
+            <a:cxnSpLocks/>
+            <a:stCxn id="3" idx="2"/>
+            <a:endCxn id="2" idx="3"/>
+          </p:cNvCxnSpPr>
+          <p:nvPr/>
+        </p:nvCxnSpPr>
+        <p:spPr>
+          <a:xfrm rot="10800000" flipV="1">
+            <a:off x="6586407" y="2772560"/>
+            <a:ext cx="1636209" cy="1"/>
+          </a:xfrm>
+          <a:prstGeom prst="bentConnector3">
+            <a:avLst>
+              <a:gd name="adj1" fmla="val 50000"/>
+            </a:avLst>
+          </a:prstGeom>
+        </p:spPr>
+        <p:style>
+          <a:lnRef idx="1">
+            <a:schemeClr val="accent1"/>
+          </a:lnRef>
+          <a:fillRef idx="0">
+            <a:schemeClr val="accent1"/>
+          </a:fillRef>
+          <a:effectRef idx="0">
+            <a:schemeClr val="accent1"/>
+          </a:effectRef>
+          <a:fontRef idx="minor">
+            <a:schemeClr val="tx1"/>
+          </a:fontRef>
+        </p:style>
+      </p:cxnSp>
+      <p:cxnSp>
+        <p:nvCxnSpPr>
+          <p:cNvPr id="21" name="연결선: 꺾임 20">
+            <a:extLst>
+              <a:ext uri="{FF2B5EF4-FFF2-40B4-BE49-F238E27FC236}">
+                <a16:creationId xmlns:a16="http://schemas.microsoft.com/office/drawing/2014/main" id="{C0E1BA48-056C-4B2E-BAE4-D42E8D345570}"/>
+              </a:ext>
+            </a:extLst>
+          </p:cNvPr>
+          <p:cNvCxnSpPr>
+            <a:cxnSpLocks/>
+            <a:stCxn id="9" idx="2"/>
+            <a:endCxn id="2" idx="3"/>
+          </p:cNvCxnSpPr>
+          <p:nvPr/>
+        </p:nvCxnSpPr>
+        <p:spPr>
+          <a:xfrm rot="10800000">
+            <a:off x="6586407" y="2772563"/>
+            <a:ext cx="1671515" cy="1618027"/>
+          </a:xfrm>
+          <a:prstGeom prst="bentConnector3">
+            <a:avLst>
+              <a:gd name="adj1" fmla="val 50000"/>
+            </a:avLst>
+          </a:prstGeom>
+        </p:spPr>
+        <p:style>
+          <a:lnRef idx="1">
+            <a:schemeClr val="accent1"/>
+          </a:lnRef>
+          <a:fillRef idx="0">
+            <a:schemeClr val="accent1"/>
+          </a:fillRef>
+          <a:effectRef idx="0">
+            <a:schemeClr val="accent1"/>
+          </a:effectRef>
+          <a:fontRef idx="minor">
+            <a:schemeClr val="tx1"/>
+          </a:fontRef>
+        </p:style>
+      </p:cxnSp>
+      <p:sp>
+        <p:nvSpPr>
+          <p:cNvPr id="26" name="직사각형 25">
+            <a:extLst>
+              <a:ext uri="{FF2B5EF4-FFF2-40B4-BE49-F238E27FC236}">
+                <a16:creationId xmlns:a16="http://schemas.microsoft.com/office/drawing/2014/main" id="{89B79594-7677-4180-AC62-0270E6485636}"/>
+              </a:ext>
+            </a:extLst>
+          </p:cNvPr>
+          <p:cNvSpPr/>
+          <p:nvPr/>
+        </p:nvSpPr>
+        <p:spPr>
+          <a:xfrm>
+            <a:off x="5184396" y="1947292"/>
+            <a:ext cx="4454555" cy="1542528"/>
+          </a:xfrm>
+          <a:prstGeom prst="rect">
+            <a:avLst/>
+          </a:prstGeom>
+          <a:noFill/>
+          <a:ln>
+            <a:solidFill>
+              <a:srgbClr val="FF0000"/>
+            </a:solidFill>
+            <a:prstDash val="sysDot"/>
+          </a:ln>
+        </p:spPr>
+        <p:style>
+          <a:lnRef idx="2">
+            <a:schemeClr val="accent1">
+              <a:shade val="50000"/>
+            </a:schemeClr>
+          </a:lnRef>
+          <a:fillRef idx="1">
+            <a:schemeClr val="accent1"/>
+          </a:fillRef>
+          <a:effectRef idx="0">
+            <a:schemeClr val="accent1"/>
+          </a:effectRef>
+          <a:fontRef idx="minor">
+            <a:schemeClr val="lt1"/>
+          </a:fontRef>
+        </p:style>
+        <p:txBody>
+          <a:bodyPr rtlCol="0" anchor="ctr"/>
+          <a:lstStyle/>
+          <a:p>
+            <a:pPr algn="ctr"/>
+            <a:endParaRPr lang="ko-KR" altLang="en-US"/>
+          </a:p>
+        </p:txBody>
+      </p:sp>
+      <p:sp>
+        <p:nvSpPr>
+          <p:cNvPr id="35" name="직사각형 34">
+            <a:extLst>
+              <a:ext uri="{FF2B5EF4-FFF2-40B4-BE49-F238E27FC236}">
+                <a16:creationId xmlns:a16="http://schemas.microsoft.com/office/drawing/2014/main" id="{68499673-E02E-4645-8694-187AA317A7B1}"/>
+              </a:ext>
+            </a:extLst>
+          </p:cNvPr>
+          <p:cNvSpPr/>
+          <p:nvPr/>
+        </p:nvSpPr>
+        <p:spPr>
+          <a:xfrm>
+            <a:off x="3305262" y="1241571"/>
+            <a:ext cx="938865" cy="296236"/>
+          </a:xfrm>
+          <a:prstGeom prst="rect">
+            <a:avLst/>
+          </a:prstGeom>
+          <a:noFill/>
+          <a:ln>
+            <a:noFill/>
+          </a:ln>
+        </p:spPr>
+        <p:style>
+          <a:lnRef idx="2">
+            <a:schemeClr val="accent1">
+              <a:shade val="50000"/>
+            </a:schemeClr>
+          </a:lnRef>
+          <a:fillRef idx="1">
+            <a:schemeClr val="accent1"/>
+          </a:fillRef>
+          <a:effectRef idx="0">
+            <a:schemeClr val="accent1"/>
+          </a:effectRef>
+          <a:fontRef idx="minor">
+            <a:schemeClr val="lt1"/>
+          </a:fontRef>
+        </p:style>
+        <p:txBody>
+          <a:bodyPr rtlCol="0" anchor="ctr"/>
+          <a:lstStyle/>
+          <a:p>
+            <a:pPr algn="ctr"/>
+            <a:r>
+              <a:rPr lang="en-US" altLang="ko-KR" sz="1200" dirty="0">
+                <a:ln w="0"/>
+                <a:solidFill>
+                  <a:schemeClr val="tx1"/>
+                </a:solidFill>
+                <a:effectLst>
+                  <a:outerShdw blurRad="38100" dist="19050" dir="2700000" algn="tl" rotWithShape="0">
+                    <a:schemeClr val="dk1">
+                      <a:alpha val="40000"/>
+                    </a:schemeClr>
+                  </a:outerShdw>
+                </a:effectLst>
+              </a:rPr>
+              <a:t>price</a:t>
+            </a:r>
+            <a:endParaRPr lang="ko-KR" altLang="en-US" sz="1200" dirty="0"/>
+          </a:p>
+        </p:txBody>
+      </p:sp>
+      <p:sp>
+        <p:nvSpPr>
+          <p:cNvPr id="36" name="직사각형 35">
+            <a:extLst>
+              <a:ext uri="{FF2B5EF4-FFF2-40B4-BE49-F238E27FC236}">
+                <a16:creationId xmlns:a16="http://schemas.microsoft.com/office/drawing/2014/main" id="{22CD98BB-E666-448C-BB3E-3317A5019A05}"/>
+              </a:ext>
+            </a:extLst>
+          </p:cNvPr>
+          <p:cNvSpPr/>
+          <p:nvPr/>
+        </p:nvSpPr>
+        <p:spPr>
+          <a:xfrm>
+            <a:off x="3305261" y="2772562"/>
+            <a:ext cx="938865" cy="296236"/>
+          </a:xfrm>
+          <a:prstGeom prst="rect">
+            <a:avLst/>
+          </a:prstGeom>
+          <a:noFill/>
+          <a:ln>
+            <a:noFill/>
+          </a:ln>
+        </p:spPr>
+        <p:style>
+          <a:lnRef idx="2">
+            <a:schemeClr val="accent1">
+              <a:shade val="50000"/>
+            </a:schemeClr>
+          </a:lnRef>
+          <a:fillRef idx="1">
+            <a:schemeClr val="accent1"/>
+          </a:fillRef>
+          <a:effectRef idx="0">
+            <a:schemeClr val="accent1"/>
+          </a:effectRef>
+          <a:fontRef idx="minor">
+            <a:schemeClr val="lt1"/>
+          </a:fontRef>
+        </p:style>
+        <p:txBody>
+          <a:bodyPr rtlCol="0" anchor="ctr"/>
+          <a:lstStyle/>
+          <a:p>
+            <a:pPr algn="ctr"/>
+            <a:r>
+              <a:rPr lang="en-US" altLang="ko-KR" sz="1200" dirty="0">
+                <a:ln w="0"/>
+                <a:solidFill>
+                  <a:schemeClr val="tx1"/>
+                </a:solidFill>
+                <a:effectLst>
+                  <a:outerShdw blurRad="38100" dist="19050" dir="2700000" algn="tl" rotWithShape="0">
+                    <a:schemeClr val="dk1">
+                      <a:alpha val="40000"/>
+                    </a:schemeClr>
+                  </a:outerShdw>
+                </a:effectLst>
+              </a:rPr>
+              <a:t>info</a:t>
+            </a:r>
+            <a:endParaRPr lang="ko-KR" altLang="en-US" sz="1200" dirty="0"/>
+          </a:p>
+        </p:txBody>
+      </p:sp>
+      <p:sp>
+        <p:nvSpPr>
+          <p:cNvPr id="37" name="직사각형 36">
+            <a:extLst>
+              <a:ext uri="{FF2B5EF4-FFF2-40B4-BE49-F238E27FC236}">
+                <a16:creationId xmlns:a16="http://schemas.microsoft.com/office/drawing/2014/main" id="{AFFDE165-C0BF-437A-A04F-4156CAD1250A}"/>
+              </a:ext>
+            </a:extLst>
+          </p:cNvPr>
+          <p:cNvSpPr/>
+          <p:nvPr/>
+        </p:nvSpPr>
+        <p:spPr>
+          <a:xfrm>
+            <a:off x="3252471" y="4303553"/>
+            <a:ext cx="938865" cy="296236"/>
+          </a:xfrm>
+          <a:prstGeom prst="rect">
+            <a:avLst/>
+          </a:prstGeom>
+          <a:noFill/>
+          <a:ln>
+            <a:noFill/>
+          </a:ln>
+        </p:spPr>
+        <p:style>
+          <a:lnRef idx="2">
+            <a:schemeClr val="accent1">
+              <a:shade val="50000"/>
+            </a:schemeClr>
+          </a:lnRef>
+          <a:fillRef idx="1">
+            <a:schemeClr val="accent1"/>
+          </a:fillRef>
+          <a:effectRef idx="0">
+            <a:schemeClr val="accent1"/>
+          </a:effectRef>
+          <a:fontRef idx="minor">
+            <a:schemeClr val="lt1"/>
+          </a:fontRef>
+        </p:style>
+        <p:txBody>
+          <a:bodyPr rtlCol="0" anchor="ctr"/>
+          <a:lstStyle/>
+          <a:p>
+            <a:pPr algn="ctr"/>
+            <a:r>
+              <a:rPr lang="en-US" altLang="ko-KR" sz="1200" dirty="0">
+                <a:ln w="0"/>
+                <a:solidFill>
+                  <a:schemeClr val="tx1"/>
+                </a:solidFill>
+                <a:effectLst>
+                  <a:outerShdw blurRad="38100" dist="19050" dir="2700000" algn="tl" rotWithShape="0">
+                    <a:schemeClr val="dk1">
+                      <a:alpha val="40000"/>
+                    </a:schemeClr>
+                  </a:outerShdw>
+                </a:effectLst>
+              </a:rPr>
+              <a:t>finance</a:t>
+            </a:r>
+            <a:endParaRPr lang="ko-KR" altLang="en-US" sz="1200" dirty="0"/>
+          </a:p>
+        </p:txBody>
+      </p:sp>
+      <p:sp>
+        <p:nvSpPr>
+          <p:cNvPr id="38" name="직사각형 37">
+            <a:extLst>
+              <a:ext uri="{FF2B5EF4-FFF2-40B4-BE49-F238E27FC236}">
+                <a16:creationId xmlns:a16="http://schemas.microsoft.com/office/drawing/2014/main" id="{D8AE7959-D0FC-4BDA-8B31-907BEA664955}"/>
+              </a:ext>
+            </a:extLst>
+          </p:cNvPr>
+          <p:cNvSpPr/>
+          <p:nvPr/>
+        </p:nvSpPr>
+        <p:spPr>
+          <a:xfrm>
+            <a:off x="5538133" y="2086238"/>
+            <a:ext cx="938865" cy="296236"/>
+          </a:xfrm>
+          <a:prstGeom prst="rect">
+            <a:avLst/>
+          </a:prstGeom>
+          <a:noFill/>
+          <a:ln>
+            <a:noFill/>
+          </a:ln>
+        </p:spPr>
+        <p:style>
+          <a:lnRef idx="2">
+            <a:schemeClr val="accent1">
+              <a:shade val="50000"/>
+            </a:schemeClr>
+          </a:lnRef>
+          <a:fillRef idx="1">
+            <a:schemeClr val="accent1"/>
+          </a:fillRef>
+          <a:effectRef idx="0">
+            <a:schemeClr val="accent1"/>
+          </a:effectRef>
+          <a:fontRef idx="minor">
+            <a:schemeClr val="lt1"/>
+          </a:fontRef>
+        </p:style>
+        <p:txBody>
+          <a:bodyPr rtlCol="0" anchor="ctr"/>
+          <a:lstStyle/>
+          <a:p>
+            <a:pPr algn="ctr"/>
+            <a:r>
+              <a:rPr lang="en-US" altLang="ko-KR" sz="1200" dirty="0">
+                <a:ln w="0"/>
+                <a:solidFill>
+                  <a:schemeClr val="tx1"/>
+                </a:solidFill>
+                <a:effectLst>
+                  <a:outerShdw blurRad="38100" dist="19050" dir="2700000" algn="tl" rotWithShape="0">
+                    <a:schemeClr val="dk1">
+                      <a:alpha val="40000"/>
+                    </a:schemeClr>
+                  </a:outerShdw>
+                </a:effectLst>
+              </a:rPr>
+              <a:t>engine</a:t>
+            </a:r>
+            <a:endParaRPr lang="ko-KR" altLang="en-US" sz="1200" dirty="0"/>
+          </a:p>
+        </p:txBody>
+      </p:sp>
+      <p:sp>
+        <p:nvSpPr>
+          <p:cNvPr id="39" name="직사각형 38">
+            <a:extLst>
+              <a:ext uri="{FF2B5EF4-FFF2-40B4-BE49-F238E27FC236}">
+                <a16:creationId xmlns:a16="http://schemas.microsoft.com/office/drawing/2014/main" id="{15C04E8B-B9AE-4178-A126-04251F83AA4C}"/>
+              </a:ext>
+            </a:extLst>
+          </p:cNvPr>
+          <p:cNvSpPr/>
+          <p:nvPr/>
+        </p:nvSpPr>
+        <p:spPr>
+          <a:xfrm>
+            <a:off x="8332022" y="2007066"/>
+            <a:ext cx="938865" cy="296236"/>
+          </a:xfrm>
+          <a:prstGeom prst="rect">
+            <a:avLst/>
+          </a:prstGeom>
+          <a:noFill/>
+          <a:ln>
+            <a:noFill/>
+          </a:ln>
+        </p:spPr>
+        <p:style>
+          <a:lnRef idx="2">
+            <a:schemeClr val="accent1">
+              <a:shade val="50000"/>
+            </a:schemeClr>
+          </a:lnRef>
+          <a:fillRef idx="1">
+            <a:schemeClr val="accent1"/>
+          </a:fillRef>
+          <a:effectRef idx="0">
+            <a:schemeClr val="accent1"/>
+          </a:effectRef>
+          <a:fontRef idx="minor">
+            <a:schemeClr val="lt1"/>
+          </a:fontRef>
+        </p:style>
+        <p:txBody>
+          <a:bodyPr rtlCol="0" anchor="ctr"/>
+          <a:lstStyle/>
+          <a:p>
+            <a:pPr algn="ctr"/>
+            <a:r>
+              <a:rPr lang="en-US" altLang="ko-KR" sz="1200" dirty="0">
+                <a:ln w="0"/>
+                <a:solidFill>
+                  <a:schemeClr val="tx1"/>
+                </a:solidFill>
+                <a:effectLst>
+                  <a:outerShdw blurRad="38100" dist="19050" dir="2700000" algn="tl" rotWithShape="0">
+                    <a:schemeClr val="dk1">
+                      <a:alpha val="40000"/>
+                    </a:schemeClr>
+                  </a:outerShdw>
+                </a:effectLst>
+              </a:rPr>
+              <a:t>data</a:t>
+            </a:r>
+            <a:endParaRPr lang="ko-KR" altLang="en-US" sz="1200" dirty="0"/>
+          </a:p>
+        </p:txBody>
+      </p:sp>
+      <p:sp>
+        <p:nvSpPr>
+          <p:cNvPr id="40" name="직사각형 39">
+            <a:extLst>
+              <a:ext uri="{FF2B5EF4-FFF2-40B4-BE49-F238E27FC236}">
+                <a16:creationId xmlns:a16="http://schemas.microsoft.com/office/drawing/2014/main" id="{87477C80-102F-4CA3-867D-AAE51799F142}"/>
+              </a:ext>
+            </a:extLst>
+          </p:cNvPr>
+          <p:cNvSpPr/>
+          <p:nvPr/>
+        </p:nvSpPr>
+        <p:spPr>
+          <a:xfrm>
+            <a:off x="8332022" y="3655765"/>
+            <a:ext cx="938865" cy="296236"/>
+          </a:xfrm>
+          <a:prstGeom prst="rect">
+            <a:avLst/>
+          </a:prstGeom>
+          <a:noFill/>
+          <a:ln>
+            <a:noFill/>
+          </a:ln>
+        </p:spPr>
+        <p:style>
+          <a:lnRef idx="2">
+            <a:schemeClr val="accent1">
+              <a:shade val="50000"/>
+            </a:schemeClr>
+          </a:lnRef>
+          <a:fillRef idx="1">
+            <a:schemeClr val="accent1"/>
+          </a:fillRef>
+          <a:effectRef idx="0">
+            <a:schemeClr val="accent1"/>
+          </a:effectRef>
+          <a:fontRef idx="minor">
+            <a:schemeClr val="lt1"/>
+          </a:fontRef>
+        </p:style>
+        <p:txBody>
+          <a:bodyPr rtlCol="0" anchor="ctr"/>
+          <a:lstStyle/>
+          <a:p>
+            <a:pPr algn="ctr"/>
+            <a:r>
+              <a:rPr lang="en-US" altLang="ko-KR" sz="1200" dirty="0">
+                <a:ln w="0"/>
+                <a:solidFill>
+                  <a:schemeClr val="tx1"/>
+                </a:solidFill>
+                <a:effectLst>
+                  <a:outerShdw blurRad="38100" dist="19050" dir="2700000" algn="tl" rotWithShape="0">
+                    <a:schemeClr val="dk1">
+                      <a:alpha val="40000"/>
+                    </a:schemeClr>
+                  </a:outerShdw>
+                </a:effectLst>
+              </a:rPr>
+              <a:t>data/code</a:t>
+            </a:r>
+            <a:endParaRPr lang="ko-KR" altLang="en-US" sz="1200" dirty="0"/>
+          </a:p>
+        </p:txBody>
+      </p:sp>
+      <p:sp>
+        <p:nvSpPr>
+          <p:cNvPr id="41" name="직사각형 40">
+            <a:extLst>
+              <a:ext uri="{FF2B5EF4-FFF2-40B4-BE49-F238E27FC236}">
+                <a16:creationId xmlns:a16="http://schemas.microsoft.com/office/drawing/2014/main" id="{7710FDAD-AD3E-4A49-AFAE-C3E87D1B9DDD}"/>
+              </a:ext>
+            </a:extLst>
+          </p:cNvPr>
+          <p:cNvSpPr/>
+          <p:nvPr/>
+        </p:nvSpPr>
+        <p:spPr>
+          <a:xfrm>
+            <a:off x="5938027" y="3925002"/>
+            <a:ext cx="938865" cy="296236"/>
+          </a:xfrm>
+          <a:prstGeom prst="rect">
+            <a:avLst/>
+          </a:prstGeom>
+          <a:noFill/>
+          <a:ln>
+            <a:noFill/>
+          </a:ln>
+        </p:spPr>
+        <p:style>
+          <a:lnRef idx="2">
+            <a:schemeClr val="accent1">
+              <a:shade val="50000"/>
+            </a:schemeClr>
+          </a:lnRef>
+          <a:fillRef idx="1">
+            <a:schemeClr val="accent1"/>
+          </a:fillRef>
+          <a:effectRef idx="0">
+            <a:schemeClr val="accent1"/>
+          </a:effectRef>
+          <a:fontRef idx="minor">
+            <a:schemeClr val="lt1"/>
+          </a:fontRef>
+        </p:style>
+        <p:txBody>
+          <a:bodyPr rtlCol="0" anchor="ctr"/>
+          <a:lstStyle/>
+          <a:p>
+            <a:pPr algn="ctr"/>
+            <a:r>
+              <a:rPr lang="en-US" altLang="ko-KR" sz="1200" dirty="0">
+                <a:ln w="0"/>
+                <a:solidFill>
+                  <a:schemeClr val="tx1"/>
+                </a:solidFill>
+                <a:effectLst>
+                  <a:outerShdw blurRad="38100" dist="19050" dir="2700000" algn="tl" rotWithShape="0">
+                    <a:schemeClr val="dk1">
+                      <a:alpha val="40000"/>
+                    </a:schemeClr>
+                  </a:outerShdw>
+                </a:effectLst>
+              </a:rPr>
+              <a:t>code</a:t>
+            </a:r>
+            <a:endParaRPr lang="ko-KR" altLang="en-US" sz="1200" dirty="0"/>
+          </a:p>
+        </p:txBody>
+      </p:sp>
+      <p:cxnSp>
+        <p:nvCxnSpPr>
+          <p:cNvPr id="43" name="직선 연결선 42">
+            <a:extLst>
+              <a:ext uri="{FF2B5EF4-FFF2-40B4-BE49-F238E27FC236}">
+                <a16:creationId xmlns:a16="http://schemas.microsoft.com/office/drawing/2014/main" id="{36DDFAD0-15DC-4B66-A0FE-4DF8F881F5B8}"/>
+              </a:ext>
+            </a:extLst>
+          </p:cNvPr>
+          <p:cNvCxnSpPr>
+            <a:stCxn id="2" idx="2"/>
+            <a:endCxn id="8" idx="0"/>
+          </p:cNvCxnSpPr>
+          <p:nvPr/>
+        </p:nvCxnSpPr>
+        <p:spPr>
+          <a:xfrm flipH="1">
+            <a:off x="6007565" y="3162650"/>
+            <a:ext cx="1" cy="1027650"/>
+          </a:xfrm>
+          <a:prstGeom prst="line">
+            <a:avLst/>
+          </a:prstGeom>
+        </p:spPr>
+        <p:style>
+          <a:lnRef idx="1">
+            <a:schemeClr val="accent1"/>
+          </a:lnRef>
+          <a:fillRef idx="0">
+            <a:schemeClr val="accent1"/>
+          </a:fillRef>
+          <a:effectRef idx="0">
+            <a:schemeClr val="accent1"/>
+          </a:effectRef>
+          <a:fontRef idx="minor">
+            <a:schemeClr val="tx1"/>
+          </a:fontRef>
+        </p:style>
+      </p:cxnSp>
+      <p:sp>
+        <p:nvSpPr>
+          <p:cNvPr id="45" name="직사각형 44">
+            <a:extLst>
+              <a:ext uri="{FF2B5EF4-FFF2-40B4-BE49-F238E27FC236}">
+                <a16:creationId xmlns:a16="http://schemas.microsoft.com/office/drawing/2014/main" id="{FADC0F17-B6C9-47F4-B6C3-C8EB0370EAE7}"/>
+              </a:ext>
+            </a:extLst>
+          </p:cNvPr>
+          <p:cNvSpPr/>
+          <p:nvPr/>
+        </p:nvSpPr>
+        <p:spPr>
+          <a:xfrm>
+            <a:off x="209022" y="211123"/>
+            <a:ext cx="2089561" cy="296236"/>
+          </a:xfrm>
+          <a:prstGeom prst="rect">
+            <a:avLst/>
+          </a:prstGeom>
+          <a:noFill/>
+          <a:ln>
+            <a:noFill/>
+          </a:ln>
+        </p:spPr>
+        <p:style>
+          <a:lnRef idx="2">
+            <a:schemeClr val="accent1">
+              <a:shade val="50000"/>
+            </a:schemeClr>
+          </a:lnRef>
+          <a:fillRef idx="1">
+            <a:schemeClr val="accent1"/>
+          </a:fillRef>
+          <a:effectRef idx="0">
+            <a:schemeClr val="accent1"/>
+          </a:effectRef>
+          <a:fontRef idx="minor">
+            <a:schemeClr val="lt1"/>
+          </a:fontRef>
+        </p:style>
+        <p:txBody>
+          <a:bodyPr rtlCol="0" anchor="ctr"/>
+          <a:lstStyle/>
+          <a:p>
+            <a:r>
+              <a:rPr lang="en-US" altLang="ko-KR" sz="2400" dirty="0">
+                <a:ln w="0"/>
+                <a:solidFill>
+                  <a:schemeClr val="tx1"/>
+                </a:solidFill>
+                <a:effectLst>
+                  <a:outerShdw blurRad="38100" dist="19050" dir="2700000" algn="tl" rotWithShape="0">
+                    <a:schemeClr val="dk1">
+                      <a:alpha val="40000"/>
+                    </a:schemeClr>
+                  </a:outerShdw>
+                </a:effectLst>
+              </a:rPr>
+              <a:t>Architecture</a:t>
+            </a:r>
+          </a:p>
+        </p:txBody>
+      </p:sp>
     </p:spTree>
     <p:extLst>
       <p:ext uri="{BB962C8B-B14F-4D97-AF65-F5344CB8AC3E}">
         <p14:creationId xmlns:p14="http://schemas.microsoft.com/office/powerpoint/2010/main" val="2208607791"/>
+      </p:ext>
+    </p:extLst>
+  </p:cSld>
+  <p:clrMapOvr>
+    <a:masterClrMapping/>
+  </p:clrMapOvr>
+</p:sld>
+</file>
+
+<file path=ppt/slides/slide2.xml><?xml version="1.0" encoding="utf-8"?>
+<p:sld xmlns:a="http://schemas.openxmlformats.org/drawingml/2006/main" xmlns:r="http://schemas.openxmlformats.org/officeDocument/2006/relationships" xmlns:p="http://schemas.openxmlformats.org/presentationml/2006/main">
+  <p:cSld>
+    <p:spTree>
+      <p:nvGrpSpPr>
+        <p:cNvPr id="1" name=""/>
+        <p:cNvGrpSpPr/>
+        <p:nvPr/>
+      </p:nvGrpSpPr>
+      <p:grpSpPr>
+        <a:xfrm>
+          <a:off x="0" y="0"/>
+          <a:ext cx="0" cy="0"/>
+          <a:chOff x="0" y="0"/>
+          <a:chExt cx="0" cy="0"/>
+        </a:xfrm>
+      </p:grpSpPr>
+      <p:sp>
+        <p:nvSpPr>
+          <p:cNvPr id="4" name="직사각형 3">
+            <a:extLst>
+              <a:ext uri="{FF2B5EF4-FFF2-40B4-BE49-F238E27FC236}">
+                <a16:creationId xmlns:a16="http://schemas.microsoft.com/office/drawing/2014/main" id="{67E9CDFC-F8BE-4A26-9721-76F8F384801D}"/>
+              </a:ext>
+            </a:extLst>
+          </p:cNvPr>
+          <p:cNvSpPr/>
+          <p:nvPr/>
+        </p:nvSpPr>
+        <p:spPr>
+          <a:xfrm>
+            <a:off x="209022" y="211123"/>
+            <a:ext cx="2727125" cy="296236"/>
+          </a:xfrm>
+          <a:prstGeom prst="rect">
+            <a:avLst/>
+          </a:prstGeom>
+          <a:noFill/>
+          <a:ln>
+            <a:noFill/>
+          </a:ln>
+        </p:spPr>
+        <p:style>
+          <a:lnRef idx="2">
+            <a:schemeClr val="accent1">
+              <a:shade val="50000"/>
+            </a:schemeClr>
+          </a:lnRef>
+          <a:fillRef idx="1">
+            <a:schemeClr val="accent1"/>
+          </a:fillRef>
+          <a:effectRef idx="0">
+            <a:schemeClr val="accent1"/>
+          </a:effectRef>
+          <a:fontRef idx="minor">
+            <a:schemeClr val="lt1"/>
+          </a:fontRef>
+        </p:style>
+        <p:txBody>
+          <a:bodyPr rtlCol="0" anchor="ctr"/>
+          <a:lstStyle/>
+          <a:p>
+            <a:r>
+              <a:rPr lang="en-US" altLang="ko-KR" sz="2400" dirty="0" err="1">
+                <a:ln w="0"/>
+                <a:solidFill>
+                  <a:schemeClr val="tx1"/>
+                </a:solidFill>
+                <a:effectLst>
+                  <a:outerShdw blurRad="38100" dist="19050" dir="2700000" algn="tl" rotWithShape="0">
+                    <a:schemeClr val="dk1">
+                      <a:alpha val="40000"/>
+                    </a:schemeClr>
+                  </a:outerShdw>
+                </a:effectLst>
+              </a:rPr>
+              <a:t>Qubot</a:t>
+            </a:r>
+            <a:r>
+              <a:rPr lang="en-US" altLang="ko-KR" sz="2400" dirty="0">
+                <a:ln w="0"/>
+                <a:solidFill>
+                  <a:schemeClr val="tx1"/>
+                </a:solidFill>
+                <a:effectLst>
+                  <a:outerShdw blurRad="38100" dist="19050" dir="2700000" algn="tl" rotWithShape="0">
+                    <a:schemeClr val="dk1">
+                      <a:alpha val="40000"/>
+                    </a:schemeClr>
+                  </a:outerShdw>
+                </a:effectLst>
+              </a:rPr>
+              <a:t> Structure</a:t>
+            </a:r>
+          </a:p>
+        </p:txBody>
+      </p:sp>
+      <p:sp>
+        <p:nvSpPr>
+          <p:cNvPr id="3" name="직사각형 2">
+            <a:extLst>
+              <a:ext uri="{FF2B5EF4-FFF2-40B4-BE49-F238E27FC236}">
+                <a16:creationId xmlns:a16="http://schemas.microsoft.com/office/drawing/2014/main" id="{1EC89F05-3632-4CFE-AD56-CA2751BA0FB6}"/>
+              </a:ext>
+            </a:extLst>
+          </p:cNvPr>
+          <p:cNvSpPr/>
+          <p:nvPr/>
+        </p:nvSpPr>
+        <p:spPr>
+          <a:xfrm>
+            <a:off x="1022755" y="1511850"/>
+            <a:ext cx="1440811" cy="694455"/>
+          </a:xfrm>
+          <a:prstGeom prst="rect">
+            <a:avLst/>
+          </a:prstGeom>
+        </p:spPr>
+        <p:style>
+          <a:lnRef idx="1">
+            <a:schemeClr val="accent5"/>
+          </a:lnRef>
+          <a:fillRef idx="2">
+            <a:schemeClr val="accent5"/>
+          </a:fillRef>
+          <a:effectRef idx="1">
+            <a:schemeClr val="accent5"/>
+          </a:effectRef>
+          <a:fontRef idx="minor">
+            <a:schemeClr val="dk1"/>
+          </a:fontRef>
+        </p:style>
+        <p:txBody>
+          <a:bodyPr rtlCol="0" anchor="ctr"/>
+          <a:lstStyle/>
+          <a:p>
+            <a:pPr algn="ctr"/>
+            <a:r>
+              <a:rPr lang="en-US" altLang="ko-KR" dirty="0"/>
+              <a:t>scraper</a:t>
+            </a:r>
+            <a:endParaRPr lang="ko-KR" altLang="en-US" dirty="0"/>
+          </a:p>
+        </p:txBody>
+      </p:sp>
+      <p:sp>
+        <p:nvSpPr>
+          <p:cNvPr id="5" name="직사각형 4">
+            <a:extLst>
+              <a:ext uri="{FF2B5EF4-FFF2-40B4-BE49-F238E27FC236}">
+                <a16:creationId xmlns:a16="http://schemas.microsoft.com/office/drawing/2014/main" id="{ADA0EA96-6D4B-4284-A786-EF96C4895F8E}"/>
+              </a:ext>
+            </a:extLst>
+          </p:cNvPr>
+          <p:cNvSpPr/>
+          <p:nvPr/>
+        </p:nvSpPr>
+        <p:spPr>
+          <a:xfrm>
+            <a:off x="4538442" y="1520228"/>
+            <a:ext cx="1440811" cy="694455"/>
+          </a:xfrm>
+          <a:prstGeom prst="rect">
+            <a:avLst/>
+          </a:prstGeom>
+        </p:spPr>
+        <p:style>
+          <a:lnRef idx="1">
+            <a:schemeClr val="accent5"/>
+          </a:lnRef>
+          <a:fillRef idx="2">
+            <a:schemeClr val="accent5"/>
+          </a:fillRef>
+          <a:effectRef idx="1">
+            <a:schemeClr val="accent5"/>
+          </a:effectRef>
+          <a:fontRef idx="minor">
+            <a:schemeClr val="dk1"/>
+          </a:fontRef>
+        </p:style>
+        <p:txBody>
+          <a:bodyPr rtlCol="0" anchor="ctr"/>
+          <a:lstStyle/>
+          <a:p>
+            <a:pPr algn="ctr"/>
+            <a:r>
+              <a:rPr lang="en-US" altLang="ko-KR" dirty="0"/>
+              <a:t>analyzer</a:t>
+            </a:r>
+            <a:endParaRPr lang="ko-KR" altLang="en-US" dirty="0"/>
+          </a:p>
+        </p:txBody>
+      </p:sp>
+      <p:sp>
+        <p:nvSpPr>
+          <p:cNvPr id="6" name="직사각형 5">
+            <a:extLst>
+              <a:ext uri="{FF2B5EF4-FFF2-40B4-BE49-F238E27FC236}">
+                <a16:creationId xmlns:a16="http://schemas.microsoft.com/office/drawing/2014/main" id="{0BB2844D-C170-4090-A6D8-DDA779986015}"/>
+              </a:ext>
+            </a:extLst>
+          </p:cNvPr>
+          <p:cNvSpPr/>
+          <p:nvPr/>
+        </p:nvSpPr>
+        <p:spPr>
+          <a:xfrm>
+            <a:off x="8054129" y="1503439"/>
+            <a:ext cx="1440812" cy="694453"/>
+          </a:xfrm>
+          <a:prstGeom prst="rect">
+            <a:avLst/>
+          </a:prstGeom>
+        </p:spPr>
+        <p:style>
+          <a:lnRef idx="1">
+            <a:schemeClr val="accent5"/>
+          </a:lnRef>
+          <a:fillRef idx="2">
+            <a:schemeClr val="accent5"/>
+          </a:fillRef>
+          <a:effectRef idx="1">
+            <a:schemeClr val="accent5"/>
+          </a:effectRef>
+          <a:fontRef idx="minor">
+            <a:schemeClr val="dk1"/>
+          </a:fontRef>
+        </p:style>
+        <p:txBody>
+          <a:bodyPr rtlCol="0" anchor="ctr"/>
+          <a:lstStyle/>
+          <a:p>
+            <a:pPr algn="ctr"/>
+            <a:r>
+              <a:rPr lang="en-US" altLang="ko-KR" dirty="0" err="1"/>
+              <a:t>backtester</a:t>
+            </a:r>
+            <a:endParaRPr lang="ko-KR" altLang="en-US" dirty="0"/>
+          </a:p>
+        </p:txBody>
+      </p:sp>
+      <p:sp>
+        <p:nvSpPr>
+          <p:cNvPr id="7" name="직사각형 6">
+            <a:extLst>
+              <a:ext uri="{FF2B5EF4-FFF2-40B4-BE49-F238E27FC236}">
+                <a16:creationId xmlns:a16="http://schemas.microsoft.com/office/drawing/2014/main" id="{EACF1E85-D6D6-4713-8B33-64B84286FEB3}"/>
+              </a:ext>
+            </a:extLst>
+          </p:cNvPr>
+          <p:cNvSpPr/>
+          <p:nvPr/>
+        </p:nvSpPr>
+        <p:spPr>
+          <a:xfrm>
+            <a:off x="2179382" y="4380749"/>
+            <a:ext cx="1844885" cy="461922"/>
+          </a:xfrm>
+          <a:prstGeom prst="rect">
+            <a:avLst/>
+          </a:prstGeom>
+          <a:noFill/>
+          <a:ln>
+            <a:solidFill>
+              <a:schemeClr val="accent1"/>
+            </a:solidFill>
+          </a:ln>
+        </p:spPr>
+        <p:style>
+          <a:lnRef idx="1">
+            <a:schemeClr val="accent5"/>
+          </a:lnRef>
+          <a:fillRef idx="2">
+            <a:schemeClr val="accent5"/>
+          </a:fillRef>
+          <a:effectRef idx="1">
+            <a:schemeClr val="accent5"/>
+          </a:effectRef>
+          <a:fontRef idx="minor">
+            <a:schemeClr val="dk1"/>
+          </a:fontRef>
+        </p:style>
+        <p:txBody>
+          <a:bodyPr rtlCol="0" anchor="ctr"/>
+          <a:lstStyle/>
+          <a:p>
+            <a:r>
+              <a:rPr lang="en-US" altLang="ko-KR" sz="1400" dirty="0" err="1"/>
+              <a:t>daily_price</a:t>
+            </a:r>
+            <a:endParaRPr lang="ko-KR" altLang="en-US" sz="1400" dirty="0"/>
+          </a:p>
+        </p:txBody>
+      </p:sp>
+      <p:sp>
+        <p:nvSpPr>
+          <p:cNvPr id="10" name="직사각형 9">
+            <a:extLst>
+              <a:ext uri="{FF2B5EF4-FFF2-40B4-BE49-F238E27FC236}">
+                <a16:creationId xmlns:a16="http://schemas.microsoft.com/office/drawing/2014/main" id="{8B9EFBB7-6138-4511-983F-1B415CB7AB3E}"/>
+              </a:ext>
+            </a:extLst>
+          </p:cNvPr>
+          <p:cNvSpPr/>
+          <p:nvPr/>
+        </p:nvSpPr>
+        <p:spPr>
+          <a:xfrm>
+            <a:off x="2179385" y="2805524"/>
+            <a:ext cx="1844883" cy="461922"/>
+          </a:xfrm>
+          <a:prstGeom prst="rect">
+            <a:avLst/>
+          </a:prstGeom>
+          <a:noFill/>
+          <a:ln>
+            <a:solidFill>
+              <a:schemeClr val="accent1"/>
+            </a:solidFill>
+          </a:ln>
+        </p:spPr>
+        <p:style>
+          <a:lnRef idx="1">
+            <a:schemeClr val="accent5"/>
+          </a:lnRef>
+          <a:fillRef idx="2">
+            <a:schemeClr val="accent5"/>
+          </a:fillRef>
+          <a:effectRef idx="1">
+            <a:schemeClr val="accent5"/>
+          </a:effectRef>
+          <a:fontRef idx="minor">
+            <a:schemeClr val="dk1"/>
+          </a:fontRef>
+        </p:style>
+        <p:txBody>
+          <a:bodyPr rtlCol="0" anchor="ctr"/>
+          <a:lstStyle/>
+          <a:p>
+            <a:r>
+              <a:rPr lang="en-US" altLang="ko-KR" sz="1400" dirty="0" err="1"/>
+              <a:t>stock_info</a:t>
+            </a:r>
+            <a:endParaRPr lang="ko-KR" altLang="en-US" sz="1400" dirty="0"/>
+          </a:p>
+        </p:txBody>
+      </p:sp>
+      <p:sp>
+        <p:nvSpPr>
+          <p:cNvPr id="11" name="직사각형 10">
+            <a:extLst>
+              <a:ext uri="{FF2B5EF4-FFF2-40B4-BE49-F238E27FC236}">
+                <a16:creationId xmlns:a16="http://schemas.microsoft.com/office/drawing/2014/main" id="{FB256F96-7033-4310-95FD-257E041D89EA}"/>
+              </a:ext>
+            </a:extLst>
+          </p:cNvPr>
+          <p:cNvSpPr/>
+          <p:nvPr/>
+        </p:nvSpPr>
+        <p:spPr>
+          <a:xfrm>
+            <a:off x="2179381" y="3596807"/>
+            <a:ext cx="1844885" cy="461922"/>
+          </a:xfrm>
+          <a:prstGeom prst="rect">
+            <a:avLst/>
+          </a:prstGeom>
+          <a:noFill/>
+          <a:ln>
+            <a:solidFill>
+              <a:schemeClr val="accent1"/>
+            </a:solidFill>
+          </a:ln>
+        </p:spPr>
+        <p:style>
+          <a:lnRef idx="1">
+            <a:schemeClr val="accent5"/>
+          </a:lnRef>
+          <a:fillRef idx="2">
+            <a:schemeClr val="accent5"/>
+          </a:fillRef>
+          <a:effectRef idx="1">
+            <a:schemeClr val="accent5"/>
+          </a:effectRef>
+          <a:fontRef idx="minor">
+            <a:schemeClr val="dk1"/>
+          </a:fontRef>
+        </p:style>
+        <p:txBody>
+          <a:bodyPr rtlCol="0" anchor="ctr"/>
+          <a:lstStyle/>
+          <a:p>
+            <a:r>
+              <a:rPr lang="en-US" altLang="ko-KR" sz="1400" dirty="0" err="1"/>
+              <a:t>market_index</a:t>
+            </a:r>
+            <a:endParaRPr lang="ko-KR" altLang="en-US" sz="1400" dirty="0"/>
+          </a:p>
+        </p:txBody>
+      </p:sp>
+      <p:sp>
+        <p:nvSpPr>
+          <p:cNvPr id="12" name="직사각형 11">
+            <a:extLst>
+              <a:ext uri="{FF2B5EF4-FFF2-40B4-BE49-F238E27FC236}">
+                <a16:creationId xmlns:a16="http://schemas.microsoft.com/office/drawing/2014/main" id="{B9E6BA95-26A4-4944-A2D6-5014C61F18D1}"/>
+              </a:ext>
+            </a:extLst>
+          </p:cNvPr>
+          <p:cNvSpPr/>
+          <p:nvPr/>
+        </p:nvSpPr>
+        <p:spPr>
+          <a:xfrm>
+            <a:off x="2179381" y="5123575"/>
+            <a:ext cx="1844885" cy="461922"/>
+          </a:xfrm>
+          <a:prstGeom prst="rect">
+            <a:avLst/>
+          </a:prstGeom>
+          <a:noFill/>
+          <a:ln>
+            <a:solidFill>
+              <a:schemeClr val="accent1"/>
+            </a:solidFill>
+          </a:ln>
+        </p:spPr>
+        <p:style>
+          <a:lnRef idx="1">
+            <a:schemeClr val="accent5"/>
+          </a:lnRef>
+          <a:fillRef idx="2">
+            <a:schemeClr val="accent5"/>
+          </a:fillRef>
+          <a:effectRef idx="1">
+            <a:schemeClr val="accent5"/>
+          </a:effectRef>
+          <a:fontRef idx="minor">
+            <a:schemeClr val="dk1"/>
+          </a:fontRef>
+        </p:style>
+        <p:txBody>
+          <a:bodyPr rtlCol="0" anchor="ctr"/>
+          <a:lstStyle/>
+          <a:p>
+            <a:r>
+              <a:rPr lang="en-US" altLang="ko-KR" sz="1400" dirty="0" err="1"/>
+              <a:t>financial_statements</a:t>
+            </a:r>
+            <a:endParaRPr lang="ko-KR" altLang="en-US" sz="1400" dirty="0"/>
+          </a:p>
+        </p:txBody>
+      </p:sp>
+      <p:cxnSp>
+        <p:nvCxnSpPr>
+          <p:cNvPr id="13" name="연결선: 꺾임 12">
+            <a:extLst>
+              <a:ext uri="{FF2B5EF4-FFF2-40B4-BE49-F238E27FC236}">
+                <a16:creationId xmlns:a16="http://schemas.microsoft.com/office/drawing/2014/main" id="{0FEF642F-D1E9-4BEE-993C-69717A00AC3D}"/>
+              </a:ext>
+            </a:extLst>
+          </p:cNvPr>
+          <p:cNvCxnSpPr>
+            <a:cxnSpLocks/>
+            <a:stCxn id="3" idx="2"/>
+            <a:endCxn id="10" idx="1"/>
+          </p:cNvCxnSpPr>
+          <p:nvPr/>
+        </p:nvCxnSpPr>
+        <p:spPr>
+          <a:xfrm rot="16200000" flipH="1">
+            <a:off x="1546183" y="2403283"/>
+            <a:ext cx="830180" cy="436224"/>
+          </a:xfrm>
+          <a:prstGeom prst="bentConnector2">
+            <a:avLst/>
+          </a:prstGeom>
+        </p:spPr>
+        <p:style>
+          <a:lnRef idx="1">
+            <a:schemeClr val="accent1"/>
+          </a:lnRef>
+          <a:fillRef idx="0">
+            <a:schemeClr val="accent1"/>
+          </a:fillRef>
+          <a:effectRef idx="0">
+            <a:schemeClr val="accent1"/>
+          </a:effectRef>
+          <a:fontRef idx="minor">
+            <a:schemeClr val="tx1"/>
+          </a:fontRef>
+        </p:style>
+      </p:cxnSp>
+      <p:cxnSp>
+        <p:nvCxnSpPr>
+          <p:cNvPr id="15" name="연결선: 꺾임 14">
+            <a:extLst>
+              <a:ext uri="{FF2B5EF4-FFF2-40B4-BE49-F238E27FC236}">
+                <a16:creationId xmlns:a16="http://schemas.microsoft.com/office/drawing/2014/main" id="{4A7794F7-D394-4901-A542-8B054C3B8359}"/>
+              </a:ext>
+            </a:extLst>
+          </p:cNvPr>
+          <p:cNvCxnSpPr>
+            <a:cxnSpLocks/>
+            <a:stCxn id="3" idx="2"/>
+            <a:endCxn id="11" idx="1"/>
+          </p:cNvCxnSpPr>
+          <p:nvPr/>
+        </p:nvCxnSpPr>
+        <p:spPr>
+          <a:xfrm rot="16200000" flipH="1">
+            <a:off x="1150540" y="2798926"/>
+            <a:ext cx="1621463" cy="436220"/>
+          </a:xfrm>
+          <a:prstGeom prst="bentConnector2">
+            <a:avLst/>
+          </a:prstGeom>
+        </p:spPr>
+        <p:style>
+          <a:lnRef idx="1">
+            <a:schemeClr val="accent1"/>
+          </a:lnRef>
+          <a:fillRef idx="0">
+            <a:schemeClr val="accent1"/>
+          </a:fillRef>
+          <a:effectRef idx="0">
+            <a:schemeClr val="accent1"/>
+          </a:effectRef>
+          <a:fontRef idx="minor">
+            <a:schemeClr val="tx1"/>
+          </a:fontRef>
+        </p:style>
+      </p:cxnSp>
+      <p:cxnSp>
+        <p:nvCxnSpPr>
+          <p:cNvPr id="18" name="연결선: 꺾임 17">
+            <a:extLst>
+              <a:ext uri="{FF2B5EF4-FFF2-40B4-BE49-F238E27FC236}">
+                <a16:creationId xmlns:a16="http://schemas.microsoft.com/office/drawing/2014/main" id="{532B6478-FD74-49DA-93AB-841D353419C5}"/>
+              </a:ext>
+            </a:extLst>
+          </p:cNvPr>
+          <p:cNvCxnSpPr>
+            <a:cxnSpLocks/>
+            <a:stCxn id="3" idx="2"/>
+            <a:endCxn id="7" idx="1"/>
+          </p:cNvCxnSpPr>
+          <p:nvPr/>
+        </p:nvCxnSpPr>
+        <p:spPr>
+          <a:xfrm rot="16200000" flipH="1">
+            <a:off x="758569" y="3190896"/>
+            <a:ext cx="2405405" cy="436221"/>
+          </a:xfrm>
+          <a:prstGeom prst="bentConnector2">
+            <a:avLst/>
+          </a:prstGeom>
+        </p:spPr>
+        <p:style>
+          <a:lnRef idx="1">
+            <a:schemeClr val="accent1"/>
+          </a:lnRef>
+          <a:fillRef idx="0">
+            <a:schemeClr val="accent1"/>
+          </a:fillRef>
+          <a:effectRef idx="0">
+            <a:schemeClr val="accent1"/>
+          </a:effectRef>
+          <a:fontRef idx="minor">
+            <a:schemeClr val="tx1"/>
+          </a:fontRef>
+        </p:style>
+      </p:cxnSp>
+      <p:cxnSp>
+        <p:nvCxnSpPr>
+          <p:cNvPr id="21" name="연결선: 꺾임 20">
+            <a:extLst>
+              <a:ext uri="{FF2B5EF4-FFF2-40B4-BE49-F238E27FC236}">
+                <a16:creationId xmlns:a16="http://schemas.microsoft.com/office/drawing/2014/main" id="{0F635AC1-962A-405F-9598-53B121ABD0D6}"/>
+              </a:ext>
+            </a:extLst>
+          </p:cNvPr>
+          <p:cNvCxnSpPr>
+            <a:cxnSpLocks/>
+            <a:stCxn id="3" idx="2"/>
+            <a:endCxn id="12" idx="1"/>
+          </p:cNvCxnSpPr>
+          <p:nvPr/>
+        </p:nvCxnSpPr>
+        <p:spPr>
+          <a:xfrm rot="16200000" flipH="1">
+            <a:off x="387156" y="3562310"/>
+            <a:ext cx="3148231" cy="436220"/>
+          </a:xfrm>
+          <a:prstGeom prst="bentConnector2">
+            <a:avLst/>
+          </a:prstGeom>
+        </p:spPr>
+        <p:style>
+          <a:lnRef idx="1">
+            <a:schemeClr val="accent1"/>
+          </a:lnRef>
+          <a:fillRef idx="0">
+            <a:schemeClr val="accent1"/>
+          </a:fillRef>
+          <a:effectRef idx="0">
+            <a:schemeClr val="accent1"/>
+          </a:effectRef>
+          <a:fontRef idx="minor">
+            <a:schemeClr val="tx1"/>
+          </a:fontRef>
+        </p:style>
+      </p:cxnSp>
+      <p:sp>
+        <p:nvSpPr>
+          <p:cNvPr id="34" name="직사각형 33">
+            <a:extLst>
+              <a:ext uri="{FF2B5EF4-FFF2-40B4-BE49-F238E27FC236}">
+                <a16:creationId xmlns:a16="http://schemas.microsoft.com/office/drawing/2014/main" id="{4BAD60D0-E839-4D1D-9832-8AB629C6765E}"/>
+              </a:ext>
+            </a:extLst>
+          </p:cNvPr>
+          <p:cNvSpPr/>
+          <p:nvPr/>
+        </p:nvSpPr>
+        <p:spPr>
+          <a:xfrm>
+            <a:off x="5695071" y="4394530"/>
+            <a:ext cx="1844885" cy="461922"/>
+          </a:xfrm>
+          <a:prstGeom prst="rect">
+            <a:avLst/>
+          </a:prstGeom>
+          <a:noFill/>
+          <a:ln>
+            <a:solidFill>
+              <a:schemeClr val="accent1"/>
+            </a:solidFill>
+          </a:ln>
+        </p:spPr>
+        <p:style>
+          <a:lnRef idx="1">
+            <a:schemeClr val="accent5"/>
+          </a:lnRef>
+          <a:fillRef idx="2">
+            <a:schemeClr val="accent5"/>
+          </a:fillRef>
+          <a:effectRef idx="1">
+            <a:schemeClr val="accent5"/>
+          </a:effectRef>
+          <a:fontRef idx="minor">
+            <a:schemeClr val="dk1"/>
+          </a:fontRef>
+        </p:style>
+        <p:txBody>
+          <a:bodyPr rtlCol="0" anchor="ctr"/>
+          <a:lstStyle/>
+          <a:p>
+            <a:r>
+              <a:rPr lang="en-US" altLang="ko-KR" sz="1400" dirty="0"/>
+              <a:t>momentum</a:t>
+            </a:r>
+            <a:endParaRPr lang="ko-KR" altLang="en-US" sz="1400" dirty="0"/>
+          </a:p>
+        </p:txBody>
+      </p:sp>
+      <p:sp>
+        <p:nvSpPr>
+          <p:cNvPr id="35" name="직사각형 34">
+            <a:extLst>
+              <a:ext uri="{FF2B5EF4-FFF2-40B4-BE49-F238E27FC236}">
+                <a16:creationId xmlns:a16="http://schemas.microsoft.com/office/drawing/2014/main" id="{D4A4B1D8-BB14-4339-A53D-6EEA53F4C284}"/>
+              </a:ext>
+            </a:extLst>
+          </p:cNvPr>
+          <p:cNvSpPr/>
+          <p:nvPr/>
+        </p:nvSpPr>
+        <p:spPr>
+          <a:xfrm>
+            <a:off x="5695070" y="2805520"/>
+            <a:ext cx="1844883" cy="461922"/>
+          </a:xfrm>
+          <a:prstGeom prst="rect">
+            <a:avLst/>
+          </a:prstGeom>
+          <a:noFill/>
+          <a:ln>
+            <a:solidFill>
+              <a:schemeClr val="accent1"/>
+            </a:solidFill>
+          </a:ln>
+        </p:spPr>
+        <p:style>
+          <a:lnRef idx="1">
+            <a:schemeClr val="accent5"/>
+          </a:lnRef>
+          <a:fillRef idx="2">
+            <a:schemeClr val="accent5"/>
+          </a:fillRef>
+          <a:effectRef idx="1">
+            <a:schemeClr val="accent5"/>
+          </a:effectRef>
+          <a:fontRef idx="minor">
+            <a:schemeClr val="dk1"/>
+          </a:fontRef>
+        </p:style>
+        <p:txBody>
+          <a:bodyPr rtlCol="0" anchor="ctr"/>
+          <a:lstStyle/>
+          <a:p>
+            <a:r>
+              <a:rPr lang="en-US" altLang="ko-KR" sz="1400" dirty="0"/>
+              <a:t>fundamental</a:t>
+            </a:r>
+            <a:endParaRPr lang="ko-KR" altLang="en-US" sz="1400" dirty="0"/>
+          </a:p>
+        </p:txBody>
+      </p:sp>
+      <p:sp>
+        <p:nvSpPr>
+          <p:cNvPr id="36" name="직사각형 35">
+            <a:extLst>
+              <a:ext uri="{FF2B5EF4-FFF2-40B4-BE49-F238E27FC236}">
+                <a16:creationId xmlns:a16="http://schemas.microsoft.com/office/drawing/2014/main" id="{43165BF3-40E0-4401-8086-DEB637B91F4F}"/>
+              </a:ext>
+            </a:extLst>
+          </p:cNvPr>
+          <p:cNvSpPr/>
+          <p:nvPr/>
+        </p:nvSpPr>
+        <p:spPr>
+          <a:xfrm>
+            <a:off x="5695070" y="3600025"/>
+            <a:ext cx="1844885" cy="461922"/>
+          </a:xfrm>
+          <a:prstGeom prst="rect">
+            <a:avLst/>
+          </a:prstGeom>
+          <a:noFill/>
+          <a:ln>
+            <a:solidFill>
+              <a:schemeClr val="accent1"/>
+            </a:solidFill>
+          </a:ln>
+        </p:spPr>
+        <p:style>
+          <a:lnRef idx="1">
+            <a:schemeClr val="accent5"/>
+          </a:lnRef>
+          <a:fillRef idx="2">
+            <a:schemeClr val="accent5"/>
+          </a:fillRef>
+          <a:effectRef idx="1">
+            <a:schemeClr val="accent5"/>
+          </a:effectRef>
+          <a:fontRef idx="minor">
+            <a:schemeClr val="dk1"/>
+          </a:fontRef>
+        </p:style>
+        <p:txBody>
+          <a:bodyPr rtlCol="0" anchor="ctr"/>
+          <a:lstStyle/>
+          <a:p>
+            <a:r>
+              <a:rPr lang="en-US" altLang="ko-KR" sz="1400" dirty="0"/>
+              <a:t>valuation</a:t>
+            </a:r>
+            <a:endParaRPr lang="ko-KR" altLang="en-US" sz="1400" dirty="0"/>
+          </a:p>
+        </p:txBody>
+      </p:sp>
+      <p:cxnSp>
+        <p:nvCxnSpPr>
+          <p:cNvPr id="38" name="연결선: 꺾임 37">
+            <a:extLst>
+              <a:ext uri="{FF2B5EF4-FFF2-40B4-BE49-F238E27FC236}">
+                <a16:creationId xmlns:a16="http://schemas.microsoft.com/office/drawing/2014/main" id="{500E0CC6-DCCC-4F30-B6E9-EE71BD0D8DEE}"/>
+              </a:ext>
+            </a:extLst>
+          </p:cNvPr>
+          <p:cNvCxnSpPr>
+            <a:cxnSpLocks/>
+            <a:stCxn id="5" idx="2"/>
+            <a:endCxn id="35" idx="1"/>
+          </p:cNvCxnSpPr>
+          <p:nvPr/>
+        </p:nvCxnSpPr>
+        <p:spPr>
+          <a:xfrm rot="16200000" flipH="1">
+            <a:off x="5066060" y="2407471"/>
+            <a:ext cx="821798" cy="436222"/>
+          </a:xfrm>
+          <a:prstGeom prst="bentConnector2">
+            <a:avLst/>
+          </a:prstGeom>
+        </p:spPr>
+        <p:style>
+          <a:lnRef idx="1">
+            <a:schemeClr val="accent1"/>
+          </a:lnRef>
+          <a:fillRef idx="0">
+            <a:schemeClr val="accent1"/>
+          </a:fillRef>
+          <a:effectRef idx="0">
+            <a:schemeClr val="accent1"/>
+          </a:effectRef>
+          <a:fontRef idx="minor">
+            <a:schemeClr val="tx1"/>
+          </a:fontRef>
+        </p:style>
+      </p:cxnSp>
+      <p:cxnSp>
+        <p:nvCxnSpPr>
+          <p:cNvPr id="39" name="연결선: 꺾임 38">
+            <a:extLst>
+              <a:ext uri="{FF2B5EF4-FFF2-40B4-BE49-F238E27FC236}">
+                <a16:creationId xmlns:a16="http://schemas.microsoft.com/office/drawing/2014/main" id="{C0B97FD6-12F9-4684-BC7B-69193EC2D4C9}"/>
+              </a:ext>
+            </a:extLst>
+          </p:cNvPr>
+          <p:cNvCxnSpPr>
+            <a:cxnSpLocks/>
+            <a:stCxn id="5" idx="2"/>
+            <a:endCxn id="36" idx="1"/>
+          </p:cNvCxnSpPr>
+          <p:nvPr/>
+        </p:nvCxnSpPr>
+        <p:spPr>
+          <a:xfrm rot="16200000" flipH="1">
+            <a:off x="4668808" y="2804723"/>
+            <a:ext cx="1616303" cy="436222"/>
+          </a:xfrm>
+          <a:prstGeom prst="bentConnector2">
+            <a:avLst/>
+          </a:prstGeom>
+        </p:spPr>
+        <p:style>
+          <a:lnRef idx="1">
+            <a:schemeClr val="accent1"/>
+          </a:lnRef>
+          <a:fillRef idx="0">
+            <a:schemeClr val="accent1"/>
+          </a:fillRef>
+          <a:effectRef idx="0">
+            <a:schemeClr val="accent1"/>
+          </a:effectRef>
+          <a:fontRef idx="minor">
+            <a:schemeClr val="tx1"/>
+          </a:fontRef>
+        </p:style>
+      </p:cxnSp>
+      <p:cxnSp>
+        <p:nvCxnSpPr>
+          <p:cNvPr id="40" name="연결선: 꺾임 39">
+            <a:extLst>
+              <a:ext uri="{FF2B5EF4-FFF2-40B4-BE49-F238E27FC236}">
+                <a16:creationId xmlns:a16="http://schemas.microsoft.com/office/drawing/2014/main" id="{D425BD31-6C9A-45F4-BD56-33C46D069FBC}"/>
+              </a:ext>
+            </a:extLst>
+          </p:cNvPr>
+          <p:cNvCxnSpPr>
+            <a:cxnSpLocks/>
+            <a:stCxn id="5" idx="2"/>
+            <a:endCxn id="34" idx="1"/>
+          </p:cNvCxnSpPr>
+          <p:nvPr/>
+        </p:nvCxnSpPr>
+        <p:spPr>
+          <a:xfrm rot="16200000" flipH="1">
+            <a:off x="4271555" y="3201975"/>
+            <a:ext cx="2410808" cy="436223"/>
+          </a:xfrm>
+          <a:prstGeom prst="bentConnector2">
+            <a:avLst/>
+          </a:prstGeom>
+        </p:spPr>
+        <p:style>
+          <a:lnRef idx="1">
+            <a:schemeClr val="accent1"/>
+          </a:lnRef>
+          <a:fillRef idx="0">
+            <a:schemeClr val="accent1"/>
+          </a:fillRef>
+          <a:effectRef idx="0">
+            <a:schemeClr val="accent1"/>
+          </a:effectRef>
+          <a:fontRef idx="minor">
+            <a:schemeClr val="tx1"/>
+          </a:fontRef>
+        </p:style>
+      </p:cxnSp>
+      <p:sp>
+        <p:nvSpPr>
+          <p:cNvPr id="59" name="직사각형 58">
+            <a:extLst>
+              <a:ext uri="{FF2B5EF4-FFF2-40B4-BE49-F238E27FC236}">
+                <a16:creationId xmlns:a16="http://schemas.microsoft.com/office/drawing/2014/main" id="{8779054A-FCDD-4F3F-B093-D4E8E63FD483}"/>
+              </a:ext>
+            </a:extLst>
+          </p:cNvPr>
+          <p:cNvSpPr/>
+          <p:nvPr/>
+        </p:nvSpPr>
+        <p:spPr>
+          <a:xfrm>
+            <a:off x="5695070" y="5123575"/>
+            <a:ext cx="1844885" cy="461922"/>
+          </a:xfrm>
+          <a:prstGeom prst="rect">
+            <a:avLst/>
+          </a:prstGeom>
+          <a:noFill/>
+          <a:ln>
+            <a:solidFill>
+              <a:schemeClr val="accent1"/>
+            </a:solidFill>
+          </a:ln>
+        </p:spPr>
+        <p:style>
+          <a:lnRef idx="1">
+            <a:schemeClr val="accent5"/>
+          </a:lnRef>
+          <a:fillRef idx="2">
+            <a:schemeClr val="accent5"/>
+          </a:fillRef>
+          <a:effectRef idx="1">
+            <a:schemeClr val="accent5"/>
+          </a:effectRef>
+          <a:fontRef idx="minor">
+            <a:schemeClr val="dk1"/>
+          </a:fontRef>
+        </p:style>
+        <p:txBody>
+          <a:bodyPr rtlCol="0" anchor="ctr"/>
+          <a:lstStyle/>
+          <a:p>
+            <a:r>
+              <a:rPr lang="en-US" altLang="ko-KR" sz="1400" dirty="0"/>
+              <a:t>universe</a:t>
+            </a:r>
+            <a:endParaRPr lang="ko-KR" altLang="en-US" sz="1400" dirty="0"/>
+          </a:p>
+        </p:txBody>
+      </p:sp>
+      <p:sp>
+        <p:nvSpPr>
+          <p:cNvPr id="102" name="직사각형 101">
+            <a:extLst>
+              <a:ext uri="{FF2B5EF4-FFF2-40B4-BE49-F238E27FC236}">
+                <a16:creationId xmlns:a16="http://schemas.microsoft.com/office/drawing/2014/main" id="{44692116-10A2-473D-BAD0-54D22D161E39}"/>
+              </a:ext>
+            </a:extLst>
+          </p:cNvPr>
+          <p:cNvSpPr/>
+          <p:nvPr/>
+        </p:nvSpPr>
+        <p:spPr>
+          <a:xfrm>
+            <a:off x="9235922" y="4999845"/>
+            <a:ext cx="1844885" cy="461922"/>
+          </a:xfrm>
+          <a:prstGeom prst="rect">
+            <a:avLst/>
+          </a:prstGeom>
+          <a:noFill/>
+          <a:ln>
+            <a:solidFill>
+              <a:schemeClr val="accent1"/>
+            </a:solidFill>
+          </a:ln>
+        </p:spPr>
+        <p:style>
+          <a:lnRef idx="1">
+            <a:schemeClr val="accent5"/>
+          </a:lnRef>
+          <a:fillRef idx="2">
+            <a:schemeClr val="accent5"/>
+          </a:fillRef>
+          <a:effectRef idx="1">
+            <a:schemeClr val="accent5"/>
+          </a:effectRef>
+          <a:fontRef idx="minor">
+            <a:schemeClr val="dk1"/>
+          </a:fontRef>
+        </p:style>
+        <p:txBody>
+          <a:bodyPr rtlCol="0" anchor="ctr"/>
+          <a:lstStyle/>
+          <a:p>
+            <a:r>
+              <a:rPr lang="en-US" altLang="ko-KR" sz="1400" dirty="0" err="1"/>
+              <a:t>backtest_result</a:t>
+            </a:r>
+            <a:endParaRPr lang="ko-KR" altLang="en-US" sz="1400" dirty="0"/>
+          </a:p>
+        </p:txBody>
+      </p:sp>
+      <p:sp>
+        <p:nvSpPr>
+          <p:cNvPr id="103" name="직사각형 102">
+            <a:extLst>
+              <a:ext uri="{FF2B5EF4-FFF2-40B4-BE49-F238E27FC236}">
+                <a16:creationId xmlns:a16="http://schemas.microsoft.com/office/drawing/2014/main" id="{BD1AF191-3CAE-4A35-8D25-04AC0459E0D7}"/>
+              </a:ext>
+            </a:extLst>
+          </p:cNvPr>
+          <p:cNvSpPr/>
+          <p:nvPr/>
+        </p:nvSpPr>
+        <p:spPr>
+          <a:xfrm>
+            <a:off x="9235921" y="3126503"/>
+            <a:ext cx="1844883" cy="461922"/>
+          </a:xfrm>
+          <a:prstGeom prst="rect">
+            <a:avLst/>
+          </a:prstGeom>
+          <a:noFill/>
+          <a:ln>
+            <a:solidFill>
+              <a:schemeClr val="accent1"/>
+            </a:solidFill>
+          </a:ln>
+        </p:spPr>
+        <p:style>
+          <a:lnRef idx="1">
+            <a:schemeClr val="accent5"/>
+          </a:lnRef>
+          <a:fillRef idx="2">
+            <a:schemeClr val="accent5"/>
+          </a:fillRef>
+          <a:effectRef idx="1">
+            <a:schemeClr val="accent5"/>
+          </a:effectRef>
+          <a:fontRef idx="minor">
+            <a:schemeClr val="dk1"/>
+          </a:fontRef>
+        </p:style>
+        <p:txBody>
+          <a:bodyPr rtlCol="0" anchor="ctr"/>
+          <a:lstStyle/>
+          <a:p>
+            <a:r>
+              <a:rPr lang="en-US" altLang="ko-KR" sz="1400" dirty="0" err="1"/>
+              <a:t>backtest_book</a:t>
+            </a:r>
+            <a:endParaRPr lang="ko-KR" altLang="en-US" sz="1400" dirty="0"/>
+          </a:p>
+        </p:txBody>
+      </p:sp>
+      <p:sp>
+        <p:nvSpPr>
+          <p:cNvPr id="104" name="직사각형 103">
+            <a:extLst>
+              <a:ext uri="{FF2B5EF4-FFF2-40B4-BE49-F238E27FC236}">
+                <a16:creationId xmlns:a16="http://schemas.microsoft.com/office/drawing/2014/main" id="{3FD6E735-CFB1-415F-B341-9D7A1FB2DAF9}"/>
+              </a:ext>
+            </a:extLst>
+          </p:cNvPr>
+          <p:cNvSpPr/>
+          <p:nvPr/>
+        </p:nvSpPr>
+        <p:spPr>
+          <a:xfrm>
+            <a:off x="9235921" y="4063174"/>
+            <a:ext cx="1844885" cy="461922"/>
+          </a:xfrm>
+          <a:prstGeom prst="rect">
+            <a:avLst/>
+          </a:prstGeom>
+          <a:noFill/>
+          <a:ln>
+            <a:solidFill>
+              <a:schemeClr val="accent1"/>
+            </a:solidFill>
+          </a:ln>
+        </p:spPr>
+        <p:style>
+          <a:lnRef idx="1">
+            <a:schemeClr val="accent5"/>
+          </a:lnRef>
+          <a:fillRef idx="2">
+            <a:schemeClr val="accent5"/>
+          </a:fillRef>
+          <a:effectRef idx="1">
+            <a:schemeClr val="accent5"/>
+          </a:effectRef>
+          <a:fontRef idx="minor">
+            <a:schemeClr val="dk1"/>
+          </a:fontRef>
+        </p:style>
+        <p:txBody>
+          <a:bodyPr rtlCol="0" anchor="ctr"/>
+          <a:lstStyle/>
+          <a:p>
+            <a:r>
+              <a:rPr lang="en-US" altLang="ko-KR" sz="1400" dirty="0" err="1"/>
+              <a:t>backtest_portfolio</a:t>
+            </a:r>
+            <a:endParaRPr lang="ko-KR" altLang="en-US" sz="1400" dirty="0"/>
+          </a:p>
+        </p:txBody>
+      </p:sp>
+      <p:cxnSp>
+        <p:nvCxnSpPr>
+          <p:cNvPr id="106" name="연결선: 꺾임 105">
+            <a:extLst>
+              <a:ext uri="{FF2B5EF4-FFF2-40B4-BE49-F238E27FC236}">
+                <a16:creationId xmlns:a16="http://schemas.microsoft.com/office/drawing/2014/main" id="{40D1941E-B708-464D-9FCC-9ED9130C7CC1}"/>
+              </a:ext>
+            </a:extLst>
+          </p:cNvPr>
+          <p:cNvCxnSpPr>
+            <a:cxnSpLocks/>
+            <a:stCxn id="6" idx="2"/>
+            <a:endCxn id="103" idx="1"/>
+          </p:cNvCxnSpPr>
+          <p:nvPr/>
+        </p:nvCxnSpPr>
+        <p:spPr>
+          <a:xfrm rot="16200000" flipH="1">
+            <a:off x="8425442" y="2546985"/>
+            <a:ext cx="1159572" cy="461386"/>
+          </a:xfrm>
+          <a:prstGeom prst="bentConnector2">
+            <a:avLst/>
+          </a:prstGeom>
+        </p:spPr>
+        <p:style>
+          <a:lnRef idx="1">
+            <a:schemeClr val="accent1"/>
+          </a:lnRef>
+          <a:fillRef idx="0">
+            <a:schemeClr val="accent1"/>
+          </a:fillRef>
+          <a:effectRef idx="0">
+            <a:schemeClr val="accent1"/>
+          </a:effectRef>
+          <a:fontRef idx="minor">
+            <a:schemeClr val="tx1"/>
+          </a:fontRef>
+        </p:style>
+      </p:cxnSp>
+      <p:cxnSp>
+        <p:nvCxnSpPr>
+          <p:cNvPr id="107" name="연결선: 꺾임 106">
+            <a:extLst>
+              <a:ext uri="{FF2B5EF4-FFF2-40B4-BE49-F238E27FC236}">
+                <a16:creationId xmlns:a16="http://schemas.microsoft.com/office/drawing/2014/main" id="{3B50B199-EF0A-487D-A15B-308EAA8B6E24}"/>
+              </a:ext>
+            </a:extLst>
+          </p:cNvPr>
+          <p:cNvCxnSpPr>
+            <a:cxnSpLocks/>
+            <a:stCxn id="6" idx="2"/>
+            <a:endCxn id="104" idx="1"/>
+          </p:cNvCxnSpPr>
+          <p:nvPr/>
+        </p:nvCxnSpPr>
+        <p:spPr>
+          <a:xfrm rot="16200000" flipH="1">
+            <a:off x="7957107" y="3015320"/>
+            <a:ext cx="2096243" cy="461386"/>
+          </a:xfrm>
+          <a:prstGeom prst="bentConnector2">
+            <a:avLst/>
+          </a:prstGeom>
+        </p:spPr>
+        <p:style>
+          <a:lnRef idx="1">
+            <a:schemeClr val="accent1"/>
+          </a:lnRef>
+          <a:fillRef idx="0">
+            <a:schemeClr val="accent1"/>
+          </a:fillRef>
+          <a:effectRef idx="0">
+            <a:schemeClr val="accent1"/>
+          </a:effectRef>
+          <a:fontRef idx="minor">
+            <a:schemeClr val="tx1"/>
+          </a:fontRef>
+        </p:style>
+      </p:cxnSp>
+      <p:cxnSp>
+        <p:nvCxnSpPr>
+          <p:cNvPr id="108" name="연결선: 꺾임 107">
+            <a:extLst>
+              <a:ext uri="{FF2B5EF4-FFF2-40B4-BE49-F238E27FC236}">
+                <a16:creationId xmlns:a16="http://schemas.microsoft.com/office/drawing/2014/main" id="{44865840-DFDD-4A9A-A6D1-7B262A41D877}"/>
+              </a:ext>
+            </a:extLst>
+          </p:cNvPr>
+          <p:cNvCxnSpPr>
+            <a:cxnSpLocks/>
+            <a:stCxn id="6" idx="2"/>
+            <a:endCxn id="102" idx="1"/>
+          </p:cNvCxnSpPr>
+          <p:nvPr/>
+        </p:nvCxnSpPr>
+        <p:spPr>
+          <a:xfrm rot="16200000" flipH="1">
+            <a:off x="7488771" y="3483655"/>
+            <a:ext cx="3032914" cy="461387"/>
+          </a:xfrm>
+          <a:prstGeom prst="bentConnector2">
+            <a:avLst/>
+          </a:prstGeom>
+        </p:spPr>
+        <p:style>
+          <a:lnRef idx="1">
+            <a:schemeClr val="accent1"/>
+          </a:lnRef>
+          <a:fillRef idx="0">
+            <a:schemeClr val="accent1"/>
+          </a:fillRef>
+          <a:effectRef idx="0">
+            <a:schemeClr val="accent1"/>
+          </a:effectRef>
+          <a:fontRef idx="minor">
+            <a:schemeClr val="tx1"/>
+          </a:fontRef>
+        </p:style>
+      </p:cxnSp>
+      <p:cxnSp>
+        <p:nvCxnSpPr>
+          <p:cNvPr id="114" name="연결선: 꺾임 113">
+            <a:extLst>
+              <a:ext uri="{FF2B5EF4-FFF2-40B4-BE49-F238E27FC236}">
+                <a16:creationId xmlns:a16="http://schemas.microsoft.com/office/drawing/2014/main" id="{2B9951DA-56FE-462B-96ED-E9BFDCF1EE18}"/>
+              </a:ext>
+            </a:extLst>
+          </p:cNvPr>
+          <p:cNvCxnSpPr>
+            <a:cxnSpLocks/>
+            <a:stCxn id="5" idx="2"/>
+            <a:endCxn id="59" idx="1"/>
+          </p:cNvCxnSpPr>
+          <p:nvPr/>
+        </p:nvCxnSpPr>
+        <p:spPr>
+          <a:xfrm rot="16200000" flipH="1">
+            <a:off x="3907033" y="3566498"/>
+            <a:ext cx="3139853" cy="436222"/>
+          </a:xfrm>
+          <a:prstGeom prst="bentConnector2">
+            <a:avLst/>
+          </a:prstGeom>
+        </p:spPr>
+        <p:style>
+          <a:lnRef idx="1">
+            <a:schemeClr val="accent1"/>
+          </a:lnRef>
+          <a:fillRef idx="0">
+            <a:schemeClr val="accent1"/>
+          </a:fillRef>
+          <a:effectRef idx="0">
+            <a:schemeClr val="accent1"/>
+          </a:effectRef>
+          <a:fontRef idx="minor">
+            <a:schemeClr val="tx1"/>
+          </a:fontRef>
+        </p:style>
+      </p:cxnSp>
+      <p:sp>
+        <p:nvSpPr>
+          <p:cNvPr id="140" name="화살표: 오른쪽 139">
+            <a:extLst>
+              <a:ext uri="{FF2B5EF4-FFF2-40B4-BE49-F238E27FC236}">
+                <a16:creationId xmlns:a16="http://schemas.microsoft.com/office/drawing/2014/main" id="{FC8AB1E1-842A-4AC7-897A-86991E3CCB7F}"/>
+              </a:ext>
+            </a:extLst>
+          </p:cNvPr>
+          <p:cNvSpPr/>
+          <p:nvPr/>
+        </p:nvSpPr>
+        <p:spPr>
+          <a:xfrm>
+            <a:off x="2625754" y="1736521"/>
+            <a:ext cx="1728132" cy="296236"/>
+          </a:xfrm>
+          <a:prstGeom prst="rightArrow">
+            <a:avLst/>
+          </a:prstGeom>
+        </p:spPr>
+        <p:style>
+          <a:lnRef idx="2">
+            <a:schemeClr val="accent1">
+              <a:shade val="50000"/>
+            </a:schemeClr>
+          </a:lnRef>
+          <a:fillRef idx="1">
+            <a:schemeClr val="accent1"/>
+          </a:fillRef>
+          <a:effectRef idx="0">
+            <a:schemeClr val="accent1"/>
+          </a:effectRef>
+          <a:fontRef idx="minor">
+            <a:schemeClr val="lt1"/>
+          </a:fontRef>
+        </p:style>
+        <p:txBody>
+          <a:bodyPr rtlCol="0" anchor="ctr"/>
+          <a:lstStyle/>
+          <a:p>
+            <a:pPr algn="ctr"/>
+            <a:endParaRPr lang="ko-KR" altLang="en-US"/>
+          </a:p>
+        </p:txBody>
+      </p:sp>
+      <p:sp>
+        <p:nvSpPr>
+          <p:cNvPr id="141" name="화살표: 오른쪽 140">
+            <a:extLst>
+              <a:ext uri="{FF2B5EF4-FFF2-40B4-BE49-F238E27FC236}">
+                <a16:creationId xmlns:a16="http://schemas.microsoft.com/office/drawing/2014/main" id="{B8B459F2-79B1-4E8A-90D0-19FE6CA2FCFB}"/>
+              </a:ext>
+            </a:extLst>
+          </p:cNvPr>
+          <p:cNvSpPr/>
+          <p:nvPr/>
+        </p:nvSpPr>
+        <p:spPr>
+          <a:xfrm>
+            <a:off x="6163809" y="1766687"/>
+            <a:ext cx="1728132" cy="296236"/>
+          </a:xfrm>
+          <a:prstGeom prst="rightArrow">
+            <a:avLst/>
+          </a:prstGeom>
+        </p:spPr>
+        <p:style>
+          <a:lnRef idx="2">
+            <a:schemeClr val="accent1">
+              <a:shade val="50000"/>
+            </a:schemeClr>
+          </a:lnRef>
+          <a:fillRef idx="1">
+            <a:schemeClr val="accent1"/>
+          </a:fillRef>
+          <a:effectRef idx="0">
+            <a:schemeClr val="accent1"/>
+          </a:effectRef>
+          <a:fontRef idx="minor">
+            <a:schemeClr val="lt1"/>
+          </a:fontRef>
+        </p:style>
+        <p:txBody>
+          <a:bodyPr rtlCol="0" anchor="ctr"/>
+          <a:lstStyle/>
+          <a:p>
+            <a:pPr algn="ctr"/>
+            <a:endParaRPr lang="ko-KR" altLang="en-US"/>
+          </a:p>
+        </p:txBody>
+      </p:sp>
+    </p:spTree>
+    <p:extLst>
+      <p:ext uri="{BB962C8B-B14F-4D97-AF65-F5344CB8AC3E}">
+        <p14:creationId xmlns:p14="http://schemas.microsoft.com/office/powerpoint/2010/main" val="2297261830"/>
+      </p:ext>
+    </p:extLst>
+  </p:cSld>
+  <p:clrMapOvr>
+    <a:masterClrMapping/>
+  </p:clrMapOvr>
+</p:sld>
+</file>
+
+<file path=ppt/slides/slide3.xml><?xml version="1.0" encoding="utf-8"?>
+<p:sld xmlns:a="http://schemas.openxmlformats.org/drawingml/2006/main" xmlns:r="http://schemas.openxmlformats.org/officeDocument/2006/relationships" xmlns:p="http://schemas.openxmlformats.org/presentationml/2006/main">
+  <p:cSld>
+    <p:spTree>
+      <p:nvGrpSpPr>
+        <p:cNvPr id="1" name=""/>
+        <p:cNvGrpSpPr/>
+        <p:nvPr/>
+      </p:nvGrpSpPr>
+      <p:grpSpPr>
+        <a:xfrm>
+          <a:off x="0" y="0"/>
+          <a:ext cx="0" cy="0"/>
+          <a:chOff x="0" y="0"/>
+          <a:chExt cx="0" cy="0"/>
+        </a:xfrm>
+      </p:grpSpPr>
+      <p:sp>
+        <p:nvSpPr>
+          <p:cNvPr id="4" name="직사각형 3">
+            <a:extLst>
+              <a:ext uri="{FF2B5EF4-FFF2-40B4-BE49-F238E27FC236}">
+                <a16:creationId xmlns:a16="http://schemas.microsoft.com/office/drawing/2014/main" id="{67E9CDFC-F8BE-4A26-9721-76F8F384801D}"/>
+              </a:ext>
+            </a:extLst>
+          </p:cNvPr>
+          <p:cNvSpPr/>
+          <p:nvPr/>
+        </p:nvSpPr>
+        <p:spPr>
+          <a:xfrm>
+            <a:off x="209022" y="211123"/>
+            <a:ext cx="2727125" cy="296236"/>
+          </a:xfrm>
+          <a:prstGeom prst="rect">
+            <a:avLst/>
+          </a:prstGeom>
+          <a:noFill/>
+          <a:ln>
+            <a:noFill/>
+          </a:ln>
+        </p:spPr>
+        <p:style>
+          <a:lnRef idx="2">
+            <a:schemeClr val="accent1">
+              <a:shade val="50000"/>
+            </a:schemeClr>
+          </a:lnRef>
+          <a:fillRef idx="1">
+            <a:schemeClr val="accent1"/>
+          </a:fillRef>
+          <a:effectRef idx="0">
+            <a:schemeClr val="accent1"/>
+          </a:effectRef>
+          <a:fontRef idx="minor">
+            <a:schemeClr val="lt1"/>
+          </a:fontRef>
+        </p:style>
+        <p:txBody>
+          <a:bodyPr rtlCol="0" anchor="ctr"/>
+          <a:lstStyle/>
+          <a:p>
+            <a:r>
+              <a:rPr lang="en-US" altLang="ko-KR" sz="2400" dirty="0">
+                <a:ln w="0"/>
+                <a:solidFill>
+                  <a:schemeClr val="tx1"/>
+                </a:solidFill>
+                <a:effectLst>
+                  <a:outerShdw blurRad="38100" dist="19050" dir="2700000" algn="tl" rotWithShape="0">
+                    <a:schemeClr val="dk1">
+                      <a:alpha val="40000"/>
+                    </a:schemeClr>
+                  </a:outerShdw>
+                </a:effectLst>
+              </a:rPr>
+              <a:t>Data Structure</a:t>
+            </a:r>
+          </a:p>
+        </p:txBody>
+      </p:sp>
+      <p:sp>
+        <p:nvSpPr>
+          <p:cNvPr id="22" name="순서도: 자기 디스크 21">
+            <a:extLst>
+              <a:ext uri="{FF2B5EF4-FFF2-40B4-BE49-F238E27FC236}">
+                <a16:creationId xmlns:a16="http://schemas.microsoft.com/office/drawing/2014/main" id="{FA1BA8F9-20C0-4C35-997D-3C8BAC1F7D91}"/>
+              </a:ext>
+            </a:extLst>
+          </p:cNvPr>
+          <p:cNvSpPr/>
+          <p:nvPr/>
+        </p:nvSpPr>
+        <p:spPr>
+          <a:xfrm>
+            <a:off x="9240130" y="1740716"/>
+            <a:ext cx="1157681" cy="964734"/>
+          </a:xfrm>
+          <a:prstGeom prst="flowChartMagneticDisk">
+            <a:avLst/>
+          </a:prstGeom>
+        </p:spPr>
+        <p:style>
+          <a:lnRef idx="1">
+            <a:schemeClr val="accent5"/>
+          </a:lnRef>
+          <a:fillRef idx="2">
+            <a:schemeClr val="accent5"/>
+          </a:fillRef>
+          <a:effectRef idx="1">
+            <a:schemeClr val="accent5"/>
+          </a:effectRef>
+          <a:fontRef idx="minor">
+            <a:schemeClr val="dk1"/>
+          </a:fontRef>
+        </p:style>
+        <p:txBody>
+          <a:bodyPr rtlCol="0" anchor="ctr"/>
+          <a:lstStyle/>
+          <a:p>
+            <a:pPr algn="ctr"/>
+            <a:r>
+              <a:rPr lang="en-US" altLang="ko-KR" dirty="0"/>
+              <a:t>RDBMS</a:t>
+            </a:r>
+            <a:endParaRPr lang="ko-KR" altLang="en-US" dirty="0"/>
+          </a:p>
+        </p:txBody>
+      </p:sp>
+      <p:sp>
+        <p:nvSpPr>
+          <p:cNvPr id="23" name="직사각형 22">
+            <a:extLst>
+              <a:ext uri="{FF2B5EF4-FFF2-40B4-BE49-F238E27FC236}">
+                <a16:creationId xmlns:a16="http://schemas.microsoft.com/office/drawing/2014/main" id="{8A11A2E3-07D8-43E0-93C2-77870EDE4735}"/>
+              </a:ext>
+            </a:extLst>
+          </p:cNvPr>
+          <p:cNvSpPr/>
+          <p:nvPr/>
+        </p:nvSpPr>
+        <p:spPr>
+          <a:xfrm>
+            <a:off x="5803782" y="1832995"/>
+            <a:ext cx="1157681" cy="780176"/>
+          </a:xfrm>
+          <a:prstGeom prst="rect">
+            <a:avLst/>
+          </a:prstGeom>
+        </p:spPr>
+        <p:style>
+          <a:lnRef idx="1">
+            <a:schemeClr val="accent5"/>
+          </a:lnRef>
+          <a:fillRef idx="2">
+            <a:schemeClr val="accent5"/>
+          </a:fillRef>
+          <a:effectRef idx="1">
+            <a:schemeClr val="accent5"/>
+          </a:effectRef>
+          <a:fontRef idx="minor">
+            <a:schemeClr val="dk1"/>
+          </a:fontRef>
+        </p:style>
+        <p:txBody>
+          <a:bodyPr rtlCol="0" anchor="ctr"/>
+          <a:lstStyle/>
+          <a:p>
+            <a:pPr algn="ctr"/>
+            <a:r>
+              <a:rPr lang="en-US" altLang="ko-KR" dirty="0"/>
+              <a:t>Python</a:t>
+            </a:r>
+            <a:endParaRPr lang="ko-KR" altLang="en-US" dirty="0"/>
+          </a:p>
+        </p:txBody>
+      </p:sp>
+      <p:sp>
+        <p:nvSpPr>
+          <p:cNvPr id="24" name="직사각형 23">
+            <a:extLst>
+              <a:ext uri="{FF2B5EF4-FFF2-40B4-BE49-F238E27FC236}">
+                <a16:creationId xmlns:a16="http://schemas.microsoft.com/office/drawing/2014/main" id="{22ED1513-2537-477A-A796-C3F0DBBF4FBA}"/>
+              </a:ext>
+            </a:extLst>
+          </p:cNvPr>
+          <p:cNvSpPr/>
+          <p:nvPr/>
+        </p:nvSpPr>
+        <p:spPr>
+          <a:xfrm>
+            <a:off x="1714745" y="1837190"/>
+            <a:ext cx="1157681" cy="780176"/>
+          </a:xfrm>
+          <a:prstGeom prst="rect">
+            <a:avLst/>
+          </a:prstGeom>
+        </p:spPr>
+        <p:style>
+          <a:lnRef idx="1">
+            <a:schemeClr val="accent5"/>
+          </a:lnRef>
+          <a:fillRef idx="2">
+            <a:schemeClr val="accent5"/>
+          </a:fillRef>
+          <a:effectRef idx="1">
+            <a:schemeClr val="accent5"/>
+          </a:effectRef>
+          <a:fontRef idx="minor">
+            <a:schemeClr val="dk1"/>
+          </a:fontRef>
+        </p:style>
+        <p:txBody>
+          <a:bodyPr rtlCol="0" anchor="ctr"/>
+          <a:lstStyle/>
+          <a:p>
+            <a:pPr algn="ctr"/>
+            <a:r>
+              <a:rPr lang="en-US" altLang="ko-KR" dirty="0"/>
+              <a:t>source</a:t>
+            </a:r>
+            <a:endParaRPr lang="ko-KR" altLang="en-US" dirty="0"/>
+          </a:p>
+        </p:txBody>
+      </p:sp>
+      <p:graphicFrame>
+        <p:nvGraphicFramePr>
+          <p:cNvPr id="2" name="표 7">
+            <a:extLst>
+              <a:ext uri="{FF2B5EF4-FFF2-40B4-BE49-F238E27FC236}">
+                <a16:creationId xmlns:a16="http://schemas.microsoft.com/office/drawing/2014/main" id="{1F09FAD2-6C7E-469E-ADAF-233351A5C0DD}"/>
+              </a:ext>
+            </a:extLst>
+          </p:cNvPr>
+          <p:cNvGraphicFramePr>
+            <a:graphicFrameLocks noGrp="1"/>
+          </p:cNvGraphicFramePr>
+          <p:nvPr>
+            <p:extLst>
+              <p:ext uri="{D42A27DB-BD31-4B8C-83A1-F6EECF244321}">
+                <p14:modId xmlns:p14="http://schemas.microsoft.com/office/powerpoint/2010/main" val="2170640990"/>
+              </p:ext>
+            </p:extLst>
+          </p:nvPr>
+        </p:nvGraphicFramePr>
+        <p:xfrm>
+          <a:off x="5098577" y="3177468"/>
+          <a:ext cx="2568087" cy="1522678"/>
+        </p:xfrm>
+        <a:graphic>
+          <a:graphicData uri="http://schemas.openxmlformats.org/drawingml/2006/table">
+            <a:tbl>
+              <a:tblPr firstRow="1" bandRow="1">
+                <a:tableStyleId>{5940675A-B579-460E-94D1-54222C63F5DA}</a:tableStyleId>
+              </a:tblPr>
+              <a:tblGrid>
+                <a:gridCol w="1244897">
+                  <a:extLst>
+                    <a:ext uri="{9D8B030D-6E8A-4147-A177-3AD203B41FA5}">
+                      <a16:colId xmlns:a16="http://schemas.microsoft.com/office/drawing/2014/main" val="2364176556"/>
+                    </a:ext>
+                  </a:extLst>
+                </a:gridCol>
+                <a:gridCol w="889233">
+                  <a:extLst>
+                    <a:ext uri="{9D8B030D-6E8A-4147-A177-3AD203B41FA5}">
+                      <a16:colId xmlns:a16="http://schemas.microsoft.com/office/drawing/2014/main" val="3304162068"/>
+                    </a:ext>
+                  </a:extLst>
+                </a:gridCol>
+                <a:gridCol w="433957">
+                  <a:extLst>
+                    <a:ext uri="{9D8B030D-6E8A-4147-A177-3AD203B41FA5}">
+                      <a16:colId xmlns:a16="http://schemas.microsoft.com/office/drawing/2014/main" val="1618916321"/>
+                    </a:ext>
+                  </a:extLst>
+                </a:gridCol>
+              </a:tblGrid>
+              <a:tr h="410158">
+                <a:tc>
+                  <a:txBody>
+                    <a:bodyPr/>
+                    <a:lstStyle/>
+                    <a:p>
+                      <a:pPr latinLnBrk="1"/>
+                      <a:r>
+                        <a:rPr lang="en-US" altLang="ko-KR" sz="1100" dirty="0"/>
+                        <a:t>Date</a:t>
+                      </a:r>
+                      <a:endParaRPr lang="ko-KR" altLang="en-US" sz="1100" dirty="0"/>
+                    </a:p>
+                  </a:txBody>
+                  <a:tcPr anchor="ctr">
+                    <a:solidFill>
+                      <a:schemeClr val="accent5">
+                        <a:lumMod val="20000"/>
+                        <a:lumOff val="80000"/>
+                      </a:schemeClr>
+                    </a:solidFill>
+                  </a:tcPr>
+                </a:tc>
+                <a:tc>
+                  <a:txBody>
+                    <a:bodyPr/>
+                    <a:lstStyle/>
+                    <a:p>
+                      <a:pPr latinLnBrk="1"/>
+                      <a:r>
+                        <a:rPr lang="en-US" altLang="ko-KR" sz="1100" dirty="0"/>
+                        <a:t>Price</a:t>
+                      </a:r>
+                      <a:endParaRPr lang="ko-KR" altLang="en-US" sz="1100" dirty="0"/>
+                    </a:p>
+                  </a:txBody>
+                  <a:tcPr anchor="ctr">
+                    <a:solidFill>
+                      <a:schemeClr val="accent5">
+                        <a:lumMod val="20000"/>
+                        <a:lumOff val="80000"/>
+                      </a:schemeClr>
+                    </a:solidFill>
+                  </a:tcPr>
+                </a:tc>
+                <a:tc>
+                  <a:txBody>
+                    <a:bodyPr/>
+                    <a:lstStyle/>
+                    <a:p>
+                      <a:pPr latinLnBrk="1"/>
+                      <a:r>
+                        <a:rPr lang="en-US" altLang="ko-KR" sz="1100" dirty="0"/>
+                        <a:t>…</a:t>
+                      </a:r>
+                      <a:endParaRPr lang="ko-KR" altLang="en-US" sz="1100" dirty="0"/>
+                    </a:p>
+                  </a:txBody>
+                  <a:tcPr anchor="ctr">
+                    <a:solidFill>
+                      <a:schemeClr val="accent5">
+                        <a:lumMod val="20000"/>
+                        <a:lumOff val="80000"/>
+                      </a:schemeClr>
+                    </a:solidFill>
+                  </a:tcPr>
+                </a:tc>
+                <a:extLst>
+                  <a:ext uri="{0D108BD9-81ED-4DB2-BD59-A6C34878D82A}">
+                    <a16:rowId xmlns:a16="http://schemas.microsoft.com/office/drawing/2014/main" val="2537543841"/>
+                  </a:ext>
+                </a:extLst>
+              </a:tr>
+              <a:tr h="370840">
+                <a:tc>
+                  <a:txBody>
+                    <a:bodyPr/>
+                    <a:lstStyle/>
+                    <a:p>
+                      <a:pPr latinLnBrk="1"/>
+                      <a:r>
+                        <a:rPr lang="en-US" altLang="ko-KR" sz="1100" dirty="0"/>
+                        <a:t>2021-01-15</a:t>
+                      </a:r>
+                      <a:endParaRPr lang="ko-KR" altLang="en-US" sz="1100" dirty="0"/>
+                    </a:p>
+                  </a:txBody>
+                  <a:tcPr anchor="ctr"/>
+                </a:tc>
+                <a:tc>
+                  <a:txBody>
+                    <a:bodyPr/>
+                    <a:lstStyle/>
+                    <a:p>
+                      <a:pPr latinLnBrk="1"/>
+                      <a:r>
+                        <a:rPr lang="en-US" altLang="ko-KR" sz="1100" dirty="0"/>
+                        <a:t>88000</a:t>
+                      </a:r>
+                      <a:endParaRPr lang="ko-KR" altLang="en-US" sz="1100" dirty="0"/>
+                    </a:p>
+                  </a:txBody>
+                  <a:tcPr anchor="ctr"/>
+                </a:tc>
+                <a:tc>
+                  <a:txBody>
+                    <a:bodyPr/>
+                    <a:lstStyle/>
+                    <a:p>
+                      <a:pPr latinLnBrk="1"/>
+                      <a:endParaRPr lang="ko-KR" altLang="en-US" sz="1100" dirty="0"/>
+                    </a:p>
+                  </a:txBody>
+                  <a:tcPr anchor="ctr"/>
+                </a:tc>
+                <a:extLst>
+                  <a:ext uri="{0D108BD9-81ED-4DB2-BD59-A6C34878D82A}">
+                    <a16:rowId xmlns:a16="http://schemas.microsoft.com/office/drawing/2014/main" val="1632913647"/>
+                  </a:ext>
+                </a:extLst>
+              </a:tr>
+              <a:tr h="370840">
+                <a:tc>
+                  <a:txBody>
+                    <a:bodyPr/>
+                    <a:lstStyle/>
+                    <a:p>
+                      <a:pPr marL="0" marR="0" lvl="0" indent="0" algn="l" defTabSz="914400" rtl="0" eaLnBrk="1" fontAlgn="auto" latinLnBrk="1" hangingPunct="1">
+                        <a:lnSpc>
+                          <a:spcPct val="100000"/>
+                        </a:lnSpc>
+                        <a:spcBef>
+                          <a:spcPts val="0"/>
+                        </a:spcBef>
+                        <a:spcAft>
+                          <a:spcPts val="0"/>
+                        </a:spcAft>
+                        <a:buClrTx/>
+                        <a:buSzTx/>
+                        <a:buFontTx/>
+                        <a:buNone/>
+                        <a:tabLst/>
+                        <a:defRPr/>
+                      </a:pPr>
+                      <a:r>
+                        <a:rPr lang="en-US" altLang="ko-KR" sz="1100" dirty="0"/>
+                        <a:t>2021-01-14</a:t>
+                      </a:r>
+                      <a:endParaRPr lang="ko-KR" altLang="en-US" sz="1100" dirty="0"/>
+                    </a:p>
+                  </a:txBody>
+                  <a:tcPr anchor="ctr"/>
+                </a:tc>
+                <a:tc>
+                  <a:txBody>
+                    <a:bodyPr/>
+                    <a:lstStyle/>
+                    <a:p>
+                      <a:pPr latinLnBrk="1"/>
+                      <a:r>
+                        <a:rPr lang="en-US" altLang="ko-KR" sz="1100" dirty="0"/>
+                        <a:t>89700</a:t>
+                      </a:r>
+                      <a:endParaRPr lang="ko-KR" altLang="en-US" sz="1100" dirty="0"/>
+                    </a:p>
+                  </a:txBody>
+                  <a:tcPr anchor="ctr"/>
+                </a:tc>
+                <a:tc>
+                  <a:txBody>
+                    <a:bodyPr/>
+                    <a:lstStyle/>
+                    <a:p>
+                      <a:pPr latinLnBrk="1"/>
+                      <a:endParaRPr lang="ko-KR" altLang="en-US" sz="1100" dirty="0"/>
+                    </a:p>
+                  </a:txBody>
+                  <a:tcPr anchor="ctr"/>
+                </a:tc>
+                <a:extLst>
+                  <a:ext uri="{0D108BD9-81ED-4DB2-BD59-A6C34878D82A}">
+                    <a16:rowId xmlns:a16="http://schemas.microsoft.com/office/drawing/2014/main" val="4266438923"/>
+                  </a:ext>
+                </a:extLst>
+              </a:tr>
+              <a:tr h="370840">
+                <a:tc>
+                  <a:txBody>
+                    <a:bodyPr/>
+                    <a:lstStyle/>
+                    <a:p>
+                      <a:pPr marL="0" marR="0" lvl="0" indent="0" algn="l" defTabSz="914400" rtl="0" eaLnBrk="1" fontAlgn="auto" latinLnBrk="1" hangingPunct="1">
+                        <a:lnSpc>
+                          <a:spcPct val="100000"/>
+                        </a:lnSpc>
+                        <a:spcBef>
+                          <a:spcPts val="0"/>
+                        </a:spcBef>
+                        <a:spcAft>
+                          <a:spcPts val="0"/>
+                        </a:spcAft>
+                        <a:buClrTx/>
+                        <a:buSzTx/>
+                        <a:buFontTx/>
+                        <a:buNone/>
+                        <a:tabLst/>
+                        <a:defRPr/>
+                      </a:pPr>
+                      <a:r>
+                        <a:rPr lang="en-US" altLang="ko-KR" sz="1100" dirty="0"/>
+                        <a:t>2021-01-13</a:t>
+                      </a:r>
+                      <a:endParaRPr lang="ko-KR" altLang="en-US" sz="1100" dirty="0"/>
+                    </a:p>
+                  </a:txBody>
+                  <a:tcPr anchor="ctr"/>
+                </a:tc>
+                <a:tc>
+                  <a:txBody>
+                    <a:bodyPr/>
+                    <a:lstStyle/>
+                    <a:p>
+                      <a:pPr latinLnBrk="1"/>
+                      <a:r>
+                        <a:rPr lang="en-US" altLang="ko-KR" sz="1100" dirty="0"/>
+                        <a:t>89700</a:t>
+                      </a:r>
+                      <a:endParaRPr lang="ko-KR" altLang="en-US" sz="1100" dirty="0"/>
+                    </a:p>
+                  </a:txBody>
+                  <a:tcPr anchor="ctr"/>
+                </a:tc>
+                <a:tc>
+                  <a:txBody>
+                    <a:bodyPr/>
+                    <a:lstStyle/>
+                    <a:p>
+                      <a:pPr latinLnBrk="1"/>
+                      <a:endParaRPr lang="ko-KR" altLang="en-US" sz="1100" dirty="0"/>
+                    </a:p>
+                  </a:txBody>
+                  <a:tcPr anchor="ctr"/>
+                </a:tc>
+                <a:extLst>
+                  <a:ext uri="{0D108BD9-81ED-4DB2-BD59-A6C34878D82A}">
+                    <a16:rowId xmlns:a16="http://schemas.microsoft.com/office/drawing/2014/main" val="3437875667"/>
+                  </a:ext>
+                </a:extLst>
+              </a:tr>
+            </a:tbl>
+          </a:graphicData>
+        </a:graphic>
+      </p:graphicFrame>
+      <p:pic>
+        <p:nvPicPr>
+          <p:cNvPr id="16" name="그림 15">
+            <a:extLst>
+              <a:ext uri="{FF2B5EF4-FFF2-40B4-BE49-F238E27FC236}">
+                <a16:creationId xmlns:a16="http://schemas.microsoft.com/office/drawing/2014/main" id="{83E5E404-0D4C-4815-AFE1-F278BDFFA126}"/>
+              </a:ext>
+            </a:extLst>
+          </p:cNvPr>
+          <p:cNvPicPr>
+            <a:picLocks noChangeAspect="1"/>
+          </p:cNvPicPr>
+          <p:nvPr/>
+        </p:nvPicPr>
+        <p:blipFill>
+          <a:blip r:embed="rId2"/>
+          <a:stretch>
+            <a:fillRect/>
+          </a:stretch>
+        </p:blipFill>
+        <p:spPr>
+          <a:xfrm>
+            <a:off x="219382" y="3095538"/>
+            <a:ext cx="4148465" cy="1904301"/>
+          </a:xfrm>
+          <a:prstGeom prst="rect">
+            <a:avLst/>
+          </a:prstGeom>
+        </p:spPr>
+      </p:pic>
+      <p:cxnSp>
+        <p:nvCxnSpPr>
+          <p:cNvPr id="19" name="직선 연결선 18">
+            <a:extLst>
+              <a:ext uri="{FF2B5EF4-FFF2-40B4-BE49-F238E27FC236}">
+                <a16:creationId xmlns:a16="http://schemas.microsoft.com/office/drawing/2014/main" id="{B1CF20D2-EA2E-4DBE-88C2-7F07AD4FA569}"/>
+              </a:ext>
+            </a:extLst>
+          </p:cNvPr>
+          <p:cNvCxnSpPr>
+            <a:cxnSpLocks/>
+            <a:stCxn id="24" idx="2"/>
+            <a:endCxn id="16" idx="0"/>
+          </p:cNvCxnSpPr>
+          <p:nvPr/>
+        </p:nvCxnSpPr>
+        <p:spPr>
+          <a:xfrm>
+            <a:off x="2293586" y="2617366"/>
+            <a:ext cx="29" cy="478172"/>
+          </a:xfrm>
+          <a:prstGeom prst="line">
+            <a:avLst/>
+          </a:prstGeom>
+        </p:spPr>
+        <p:style>
+          <a:lnRef idx="1">
+            <a:schemeClr val="accent1"/>
+          </a:lnRef>
+          <a:fillRef idx="0">
+            <a:schemeClr val="accent1"/>
+          </a:fillRef>
+          <a:effectRef idx="0">
+            <a:schemeClr val="accent1"/>
+          </a:effectRef>
+          <a:fontRef idx="minor">
+            <a:schemeClr val="tx1"/>
+          </a:fontRef>
+        </p:style>
+      </p:cxnSp>
+      <p:cxnSp>
+        <p:nvCxnSpPr>
+          <p:cNvPr id="33" name="직선 연결선 32">
+            <a:extLst>
+              <a:ext uri="{FF2B5EF4-FFF2-40B4-BE49-F238E27FC236}">
+                <a16:creationId xmlns:a16="http://schemas.microsoft.com/office/drawing/2014/main" id="{D08C422D-611E-4A21-89C3-31DF39187458}"/>
+              </a:ext>
+            </a:extLst>
+          </p:cNvPr>
+          <p:cNvCxnSpPr>
+            <a:cxnSpLocks/>
+            <a:stCxn id="23" idx="2"/>
+            <a:endCxn id="2" idx="0"/>
+          </p:cNvCxnSpPr>
+          <p:nvPr/>
+        </p:nvCxnSpPr>
+        <p:spPr>
+          <a:xfrm flipH="1">
+            <a:off x="6382620" y="2613171"/>
+            <a:ext cx="3" cy="564297"/>
+          </a:xfrm>
+          <a:prstGeom prst="line">
+            <a:avLst/>
+          </a:prstGeom>
+        </p:spPr>
+        <p:style>
+          <a:lnRef idx="1">
+            <a:schemeClr val="accent1"/>
+          </a:lnRef>
+          <a:fillRef idx="0">
+            <a:schemeClr val="accent1"/>
+          </a:fillRef>
+          <a:effectRef idx="0">
+            <a:schemeClr val="accent1"/>
+          </a:effectRef>
+          <a:fontRef idx="minor">
+            <a:schemeClr val="tx1"/>
+          </a:fontRef>
+        </p:style>
+      </p:cxnSp>
+      <p:cxnSp>
+        <p:nvCxnSpPr>
+          <p:cNvPr id="42" name="직선 연결선 41">
+            <a:extLst>
+              <a:ext uri="{FF2B5EF4-FFF2-40B4-BE49-F238E27FC236}">
+                <a16:creationId xmlns:a16="http://schemas.microsoft.com/office/drawing/2014/main" id="{AFF78734-D89F-4A92-A996-BDD6AF834106}"/>
+              </a:ext>
+            </a:extLst>
+          </p:cNvPr>
+          <p:cNvCxnSpPr>
+            <a:cxnSpLocks/>
+            <a:stCxn id="22" idx="3"/>
+            <a:endCxn id="43" idx="0"/>
+          </p:cNvCxnSpPr>
+          <p:nvPr/>
+        </p:nvCxnSpPr>
+        <p:spPr>
+          <a:xfrm flipH="1">
+            <a:off x="9818966" y="2705450"/>
+            <a:ext cx="5" cy="476212"/>
+          </a:xfrm>
+          <a:prstGeom prst="line">
+            <a:avLst/>
+          </a:prstGeom>
+        </p:spPr>
+        <p:style>
+          <a:lnRef idx="1">
+            <a:schemeClr val="accent1"/>
+          </a:lnRef>
+          <a:fillRef idx="0">
+            <a:schemeClr val="accent1"/>
+          </a:fillRef>
+          <a:effectRef idx="0">
+            <a:schemeClr val="accent1"/>
+          </a:effectRef>
+          <a:fontRef idx="minor">
+            <a:schemeClr val="tx1"/>
+          </a:fontRef>
+        </p:style>
+      </p:cxnSp>
+      <p:graphicFrame>
+        <p:nvGraphicFramePr>
+          <p:cNvPr id="43" name="표 7">
+            <a:extLst>
+              <a:ext uri="{FF2B5EF4-FFF2-40B4-BE49-F238E27FC236}">
+                <a16:creationId xmlns:a16="http://schemas.microsoft.com/office/drawing/2014/main" id="{F2018210-4BE7-4E98-AED8-20159CC355B4}"/>
+              </a:ext>
+            </a:extLst>
+          </p:cNvPr>
+          <p:cNvGraphicFramePr>
+            <a:graphicFrameLocks noGrp="1"/>
+          </p:cNvGraphicFramePr>
+          <p:nvPr>
+            <p:extLst>
+              <p:ext uri="{D42A27DB-BD31-4B8C-83A1-F6EECF244321}">
+                <p14:modId xmlns:p14="http://schemas.microsoft.com/office/powerpoint/2010/main" val="255220913"/>
+              </p:ext>
+            </p:extLst>
+          </p:nvPr>
+        </p:nvGraphicFramePr>
+        <p:xfrm>
+          <a:off x="8534923" y="3181662"/>
+          <a:ext cx="2568087" cy="1518484"/>
+        </p:xfrm>
+        <a:graphic>
+          <a:graphicData uri="http://schemas.openxmlformats.org/drawingml/2006/table">
+            <a:tbl>
+              <a:tblPr firstRow="1" bandRow="1">
+                <a:tableStyleId>{5940675A-B579-460E-94D1-54222C63F5DA}</a:tableStyleId>
+              </a:tblPr>
+              <a:tblGrid>
+                <a:gridCol w="1244897">
+                  <a:extLst>
+                    <a:ext uri="{9D8B030D-6E8A-4147-A177-3AD203B41FA5}">
+                      <a16:colId xmlns:a16="http://schemas.microsoft.com/office/drawing/2014/main" val="2364176556"/>
+                    </a:ext>
+                  </a:extLst>
+                </a:gridCol>
+                <a:gridCol w="889233">
+                  <a:extLst>
+                    <a:ext uri="{9D8B030D-6E8A-4147-A177-3AD203B41FA5}">
+                      <a16:colId xmlns:a16="http://schemas.microsoft.com/office/drawing/2014/main" val="3304162068"/>
+                    </a:ext>
+                  </a:extLst>
+                </a:gridCol>
+                <a:gridCol w="433957">
+                  <a:extLst>
+                    <a:ext uri="{9D8B030D-6E8A-4147-A177-3AD203B41FA5}">
+                      <a16:colId xmlns:a16="http://schemas.microsoft.com/office/drawing/2014/main" val="1618916321"/>
+                    </a:ext>
+                  </a:extLst>
+                </a:gridCol>
+              </a:tblGrid>
+              <a:tr h="405964">
+                <a:tc>
+                  <a:txBody>
+                    <a:bodyPr/>
+                    <a:lstStyle/>
+                    <a:p>
+                      <a:pPr latinLnBrk="1"/>
+                      <a:r>
+                        <a:rPr lang="en-US" altLang="ko-KR" sz="1100" dirty="0"/>
+                        <a:t>Date</a:t>
+                      </a:r>
+                      <a:endParaRPr lang="ko-KR" altLang="en-US" sz="1100" dirty="0"/>
+                    </a:p>
+                  </a:txBody>
+                  <a:tcPr anchor="ctr">
+                    <a:solidFill>
+                      <a:schemeClr val="accent5">
+                        <a:lumMod val="20000"/>
+                        <a:lumOff val="80000"/>
+                      </a:schemeClr>
+                    </a:solidFill>
+                  </a:tcPr>
+                </a:tc>
+                <a:tc>
+                  <a:txBody>
+                    <a:bodyPr/>
+                    <a:lstStyle/>
+                    <a:p>
+                      <a:pPr latinLnBrk="1"/>
+                      <a:r>
+                        <a:rPr lang="en-US" altLang="ko-KR" sz="1100" dirty="0"/>
+                        <a:t>Price</a:t>
+                      </a:r>
+                      <a:endParaRPr lang="ko-KR" altLang="en-US" sz="1100" dirty="0"/>
+                    </a:p>
+                  </a:txBody>
+                  <a:tcPr anchor="ctr">
+                    <a:solidFill>
+                      <a:schemeClr val="accent5">
+                        <a:lumMod val="20000"/>
+                        <a:lumOff val="80000"/>
+                      </a:schemeClr>
+                    </a:solidFill>
+                  </a:tcPr>
+                </a:tc>
+                <a:tc>
+                  <a:txBody>
+                    <a:bodyPr/>
+                    <a:lstStyle/>
+                    <a:p>
+                      <a:pPr latinLnBrk="1"/>
+                      <a:r>
+                        <a:rPr lang="en-US" altLang="ko-KR" sz="1100" dirty="0"/>
+                        <a:t>…</a:t>
+                      </a:r>
+                      <a:endParaRPr lang="ko-KR" altLang="en-US" sz="1100" dirty="0"/>
+                    </a:p>
+                  </a:txBody>
+                  <a:tcPr anchor="ctr">
+                    <a:solidFill>
+                      <a:schemeClr val="accent5">
+                        <a:lumMod val="20000"/>
+                        <a:lumOff val="80000"/>
+                      </a:schemeClr>
+                    </a:solidFill>
+                  </a:tcPr>
+                </a:tc>
+                <a:extLst>
+                  <a:ext uri="{0D108BD9-81ED-4DB2-BD59-A6C34878D82A}">
+                    <a16:rowId xmlns:a16="http://schemas.microsoft.com/office/drawing/2014/main" val="2537543841"/>
+                  </a:ext>
+                </a:extLst>
+              </a:tr>
+              <a:tr h="370840">
+                <a:tc>
+                  <a:txBody>
+                    <a:bodyPr/>
+                    <a:lstStyle/>
+                    <a:p>
+                      <a:pPr latinLnBrk="1"/>
+                      <a:r>
+                        <a:rPr lang="en-US" altLang="ko-KR" sz="1100" dirty="0"/>
+                        <a:t>2021-01-15</a:t>
+                      </a:r>
+                      <a:endParaRPr lang="ko-KR" altLang="en-US" sz="1100" dirty="0"/>
+                    </a:p>
+                  </a:txBody>
+                  <a:tcPr anchor="ctr"/>
+                </a:tc>
+                <a:tc>
+                  <a:txBody>
+                    <a:bodyPr/>
+                    <a:lstStyle/>
+                    <a:p>
+                      <a:pPr latinLnBrk="1"/>
+                      <a:r>
+                        <a:rPr lang="en-US" altLang="ko-KR" sz="1100" dirty="0"/>
+                        <a:t>88000</a:t>
+                      </a:r>
+                      <a:endParaRPr lang="ko-KR" altLang="en-US" sz="1100" dirty="0"/>
+                    </a:p>
+                  </a:txBody>
+                  <a:tcPr anchor="ctr"/>
+                </a:tc>
+                <a:tc>
+                  <a:txBody>
+                    <a:bodyPr/>
+                    <a:lstStyle/>
+                    <a:p>
+                      <a:pPr latinLnBrk="1"/>
+                      <a:endParaRPr lang="ko-KR" altLang="en-US" sz="1100" dirty="0"/>
+                    </a:p>
+                  </a:txBody>
+                  <a:tcPr anchor="ctr"/>
+                </a:tc>
+                <a:extLst>
+                  <a:ext uri="{0D108BD9-81ED-4DB2-BD59-A6C34878D82A}">
+                    <a16:rowId xmlns:a16="http://schemas.microsoft.com/office/drawing/2014/main" val="1632913647"/>
+                  </a:ext>
+                </a:extLst>
+              </a:tr>
+              <a:tr h="370840">
+                <a:tc>
+                  <a:txBody>
+                    <a:bodyPr/>
+                    <a:lstStyle/>
+                    <a:p>
+                      <a:pPr marL="0" marR="0" lvl="0" indent="0" algn="l" defTabSz="914400" rtl="0" eaLnBrk="1" fontAlgn="auto" latinLnBrk="1" hangingPunct="1">
+                        <a:lnSpc>
+                          <a:spcPct val="100000"/>
+                        </a:lnSpc>
+                        <a:spcBef>
+                          <a:spcPts val="0"/>
+                        </a:spcBef>
+                        <a:spcAft>
+                          <a:spcPts val="0"/>
+                        </a:spcAft>
+                        <a:buClrTx/>
+                        <a:buSzTx/>
+                        <a:buFontTx/>
+                        <a:buNone/>
+                        <a:tabLst/>
+                        <a:defRPr/>
+                      </a:pPr>
+                      <a:r>
+                        <a:rPr lang="en-US" altLang="ko-KR" sz="1100" dirty="0"/>
+                        <a:t>2021-01-14</a:t>
+                      </a:r>
+                      <a:endParaRPr lang="ko-KR" altLang="en-US" sz="1100" dirty="0"/>
+                    </a:p>
+                  </a:txBody>
+                  <a:tcPr anchor="ctr"/>
+                </a:tc>
+                <a:tc>
+                  <a:txBody>
+                    <a:bodyPr/>
+                    <a:lstStyle/>
+                    <a:p>
+                      <a:pPr latinLnBrk="1"/>
+                      <a:r>
+                        <a:rPr lang="en-US" altLang="ko-KR" sz="1100" dirty="0"/>
+                        <a:t>89700</a:t>
+                      </a:r>
+                      <a:endParaRPr lang="ko-KR" altLang="en-US" sz="1100" dirty="0"/>
+                    </a:p>
+                  </a:txBody>
+                  <a:tcPr anchor="ctr"/>
+                </a:tc>
+                <a:tc>
+                  <a:txBody>
+                    <a:bodyPr/>
+                    <a:lstStyle/>
+                    <a:p>
+                      <a:pPr latinLnBrk="1"/>
+                      <a:endParaRPr lang="ko-KR" altLang="en-US" sz="1100" dirty="0"/>
+                    </a:p>
+                  </a:txBody>
+                  <a:tcPr anchor="ctr"/>
+                </a:tc>
+                <a:extLst>
+                  <a:ext uri="{0D108BD9-81ED-4DB2-BD59-A6C34878D82A}">
+                    <a16:rowId xmlns:a16="http://schemas.microsoft.com/office/drawing/2014/main" val="4266438923"/>
+                  </a:ext>
+                </a:extLst>
+              </a:tr>
+              <a:tr h="370840">
+                <a:tc>
+                  <a:txBody>
+                    <a:bodyPr/>
+                    <a:lstStyle/>
+                    <a:p>
+                      <a:pPr marL="0" marR="0" lvl="0" indent="0" algn="l" defTabSz="914400" rtl="0" eaLnBrk="1" fontAlgn="auto" latinLnBrk="1" hangingPunct="1">
+                        <a:lnSpc>
+                          <a:spcPct val="100000"/>
+                        </a:lnSpc>
+                        <a:spcBef>
+                          <a:spcPts val="0"/>
+                        </a:spcBef>
+                        <a:spcAft>
+                          <a:spcPts val="0"/>
+                        </a:spcAft>
+                        <a:buClrTx/>
+                        <a:buSzTx/>
+                        <a:buFontTx/>
+                        <a:buNone/>
+                        <a:tabLst/>
+                        <a:defRPr/>
+                      </a:pPr>
+                      <a:r>
+                        <a:rPr lang="en-US" altLang="ko-KR" sz="1100" dirty="0"/>
+                        <a:t>2021-01-13</a:t>
+                      </a:r>
+                      <a:endParaRPr lang="ko-KR" altLang="en-US" sz="1100" dirty="0"/>
+                    </a:p>
+                  </a:txBody>
+                  <a:tcPr anchor="ctr"/>
+                </a:tc>
+                <a:tc>
+                  <a:txBody>
+                    <a:bodyPr/>
+                    <a:lstStyle/>
+                    <a:p>
+                      <a:pPr latinLnBrk="1"/>
+                      <a:r>
+                        <a:rPr lang="en-US" altLang="ko-KR" sz="1100" dirty="0"/>
+                        <a:t>89700</a:t>
+                      </a:r>
+                      <a:endParaRPr lang="ko-KR" altLang="en-US" sz="1100" dirty="0"/>
+                    </a:p>
+                  </a:txBody>
+                  <a:tcPr anchor="ctr"/>
+                </a:tc>
+                <a:tc>
+                  <a:txBody>
+                    <a:bodyPr/>
+                    <a:lstStyle/>
+                    <a:p>
+                      <a:pPr latinLnBrk="1"/>
+                      <a:endParaRPr lang="ko-KR" altLang="en-US" sz="1100" dirty="0"/>
+                    </a:p>
+                  </a:txBody>
+                  <a:tcPr anchor="ctr"/>
+                </a:tc>
+                <a:extLst>
+                  <a:ext uri="{0D108BD9-81ED-4DB2-BD59-A6C34878D82A}">
+                    <a16:rowId xmlns:a16="http://schemas.microsoft.com/office/drawing/2014/main" val="3437875667"/>
+                  </a:ext>
+                </a:extLst>
+              </a:tr>
+            </a:tbl>
+          </a:graphicData>
+        </a:graphic>
+      </p:graphicFrame>
+      <p:sp>
+        <p:nvSpPr>
+          <p:cNvPr id="44" name="화살표: 오른쪽 43">
+            <a:extLst>
+              <a:ext uri="{FF2B5EF4-FFF2-40B4-BE49-F238E27FC236}">
+                <a16:creationId xmlns:a16="http://schemas.microsoft.com/office/drawing/2014/main" id="{889BD807-483F-4DDC-BFFB-E0424459DDE8}"/>
+              </a:ext>
+            </a:extLst>
+          </p:cNvPr>
+          <p:cNvSpPr/>
+          <p:nvPr/>
+        </p:nvSpPr>
+        <p:spPr>
+          <a:xfrm>
+            <a:off x="2951524" y="2074965"/>
+            <a:ext cx="2773159" cy="296236"/>
+          </a:xfrm>
+          <a:prstGeom prst="rightArrow">
+            <a:avLst/>
+          </a:prstGeom>
+        </p:spPr>
+        <p:style>
+          <a:lnRef idx="2">
+            <a:schemeClr val="accent1">
+              <a:shade val="50000"/>
+            </a:schemeClr>
+          </a:lnRef>
+          <a:fillRef idx="1">
+            <a:schemeClr val="accent1"/>
+          </a:fillRef>
+          <a:effectRef idx="0">
+            <a:schemeClr val="accent1"/>
+          </a:effectRef>
+          <a:fontRef idx="minor">
+            <a:schemeClr val="lt1"/>
+          </a:fontRef>
+        </p:style>
+        <p:txBody>
+          <a:bodyPr rtlCol="0" anchor="ctr"/>
+          <a:lstStyle/>
+          <a:p>
+            <a:pPr algn="ctr"/>
+            <a:endParaRPr lang="ko-KR" altLang="en-US"/>
+          </a:p>
+        </p:txBody>
+      </p:sp>
+      <p:sp>
+        <p:nvSpPr>
+          <p:cNvPr id="32" name="화살표: 왼쪽/오른쪽 31">
+            <a:extLst>
+              <a:ext uri="{FF2B5EF4-FFF2-40B4-BE49-F238E27FC236}">
+                <a16:creationId xmlns:a16="http://schemas.microsoft.com/office/drawing/2014/main" id="{D6C307A5-28C8-4A66-A4BE-0C7A276614EA}"/>
+              </a:ext>
+            </a:extLst>
+          </p:cNvPr>
+          <p:cNvSpPr/>
+          <p:nvPr/>
+        </p:nvSpPr>
+        <p:spPr>
+          <a:xfrm>
+            <a:off x="7040562" y="2074965"/>
+            <a:ext cx="2128606" cy="296236"/>
+          </a:xfrm>
+          <a:prstGeom prst="leftRightArrow">
+            <a:avLst/>
+          </a:prstGeom>
+        </p:spPr>
+        <p:style>
+          <a:lnRef idx="2">
+            <a:schemeClr val="accent1">
+              <a:shade val="50000"/>
+            </a:schemeClr>
+          </a:lnRef>
+          <a:fillRef idx="1">
+            <a:schemeClr val="accent1"/>
+          </a:fillRef>
+          <a:effectRef idx="0">
+            <a:schemeClr val="accent1"/>
+          </a:effectRef>
+          <a:fontRef idx="minor">
+            <a:schemeClr val="lt1"/>
+          </a:fontRef>
+        </p:style>
+        <p:txBody>
+          <a:bodyPr rtlCol="0" anchor="ctr"/>
+          <a:lstStyle/>
+          <a:p>
+            <a:pPr algn="ctr"/>
+            <a:endParaRPr lang="ko-KR" altLang="en-US"/>
+          </a:p>
+        </p:txBody>
+      </p:sp>
+      <p:sp>
+        <p:nvSpPr>
+          <p:cNvPr id="49" name="직사각형 48">
+            <a:extLst>
+              <a:ext uri="{FF2B5EF4-FFF2-40B4-BE49-F238E27FC236}">
+                <a16:creationId xmlns:a16="http://schemas.microsoft.com/office/drawing/2014/main" id="{A97DFBAA-8DC7-4A0F-BCDB-D643C85D8575}"/>
+              </a:ext>
+            </a:extLst>
+          </p:cNvPr>
+          <p:cNvSpPr/>
+          <p:nvPr/>
+        </p:nvSpPr>
+        <p:spPr>
+          <a:xfrm>
+            <a:off x="219383" y="5087329"/>
+            <a:ext cx="4148478" cy="744461"/>
+          </a:xfrm>
+          <a:prstGeom prst="rect">
+            <a:avLst/>
+          </a:prstGeom>
+          <a:noFill/>
+          <a:ln>
+            <a:solidFill>
+              <a:schemeClr val="accent1"/>
+            </a:solidFill>
+          </a:ln>
+        </p:spPr>
+        <p:style>
+          <a:lnRef idx="1">
+            <a:schemeClr val="accent5"/>
+          </a:lnRef>
+          <a:fillRef idx="2">
+            <a:schemeClr val="accent5"/>
+          </a:fillRef>
+          <a:effectRef idx="1">
+            <a:schemeClr val="accent5"/>
+          </a:effectRef>
+          <a:fontRef idx="minor">
+            <a:schemeClr val="dk1"/>
+          </a:fontRef>
+        </p:style>
+        <p:txBody>
+          <a:bodyPr rtlCol="0" anchor="ctr"/>
+          <a:lstStyle/>
+          <a:p>
+            <a:r>
+              <a:rPr lang="ko-KR" altLang="en-US" sz="1400" dirty="0"/>
+              <a:t>웹페이지 또는 증권사 등에서 제공받은 </a:t>
+            </a:r>
+            <a:endParaRPr lang="en-US" altLang="ko-KR" sz="1400" dirty="0"/>
+          </a:p>
+          <a:p>
+            <a:r>
+              <a:rPr lang="ko-KR" altLang="en-US" sz="1400" dirty="0"/>
+              <a:t>금융 데이터</a:t>
+            </a:r>
+          </a:p>
+        </p:txBody>
+      </p:sp>
+      <p:sp>
+        <p:nvSpPr>
+          <p:cNvPr id="50" name="직사각형 49">
+            <a:extLst>
+              <a:ext uri="{FF2B5EF4-FFF2-40B4-BE49-F238E27FC236}">
+                <a16:creationId xmlns:a16="http://schemas.microsoft.com/office/drawing/2014/main" id="{4C733A9D-8195-45A3-A20A-8645C4A8D17B}"/>
+              </a:ext>
+            </a:extLst>
+          </p:cNvPr>
+          <p:cNvSpPr/>
+          <p:nvPr/>
+        </p:nvSpPr>
+        <p:spPr>
+          <a:xfrm>
+            <a:off x="4598656" y="4848837"/>
+            <a:ext cx="3567928" cy="982954"/>
+          </a:xfrm>
+          <a:prstGeom prst="rect">
+            <a:avLst/>
+          </a:prstGeom>
+          <a:noFill/>
+          <a:ln>
+            <a:solidFill>
+              <a:schemeClr val="accent1"/>
+            </a:solidFill>
+          </a:ln>
+        </p:spPr>
+        <p:style>
+          <a:lnRef idx="1">
+            <a:schemeClr val="accent5"/>
+          </a:lnRef>
+          <a:fillRef idx="2">
+            <a:schemeClr val="accent5"/>
+          </a:fillRef>
+          <a:effectRef idx="1">
+            <a:schemeClr val="accent5"/>
+          </a:effectRef>
+          <a:fontRef idx="minor">
+            <a:schemeClr val="dk1"/>
+          </a:fontRef>
+        </p:style>
+        <p:txBody>
+          <a:bodyPr rtlCol="0" anchor="ctr"/>
+          <a:lstStyle/>
+          <a:p>
+            <a:r>
+              <a:rPr lang="en-US" altLang="ko-KR" sz="1400" dirty="0"/>
+              <a:t>Python</a:t>
+            </a:r>
+            <a:r>
+              <a:rPr lang="ko-KR" altLang="en-US" sz="1400" dirty="0"/>
+              <a:t>의 모듈인 </a:t>
+            </a:r>
+            <a:r>
+              <a:rPr lang="en-US" altLang="ko-KR" sz="1400" dirty="0"/>
+              <a:t>Pandas</a:t>
+            </a:r>
+            <a:r>
+              <a:rPr lang="ko-KR" altLang="en-US" sz="1400" dirty="0"/>
+              <a:t>에서 제공하는</a:t>
+            </a:r>
+            <a:endParaRPr lang="en-US" altLang="ko-KR" sz="1400" dirty="0"/>
+          </a:p>
+          <a:p>
+            <a:r>
+              <a:rPr lang="ko-KR" altLang="en-US" sz="1400" dirty="0"/>
+              <a:t>테이블</a:t>
+            </a:r>
+            <a:r>
+              <a:rPr lang="en-US" altLang="ko-KR" sz="1400" dirty="0"/>
+              <a:t>(</a:t>
+            </a:r>
+            <a:r>
+              <a:rPr lang="ko-KR" altLang="en-US" sz="1400" dirty="0"/>
+              <a:t>표</a:t>
+            </a:r>
+            <a:r>
+              <a:rPr lang="en-US" altLang="ko-KR" sz="1400" dirty="0"/>
+              <a:t>) </a:t>
+            </a:r>
+            <a:r>
+              <a:rPr lang="ko-KR" altLang="en-US" sz="1400" dirty="0"/>
+              <a:t>형태의 </a:t>
+            </a:r>
+            <a:r>
+              <a:rPr lang="en-US" altLang="ko-KR" sz="1400" dirty="0" err="1"/>
+              <a:t>DataFrame</a:t>
+            </a:r>
+            <a:r>
+              <a:rPr lang="en-US" altLang="ko-KR" sz="1400" dirty="0"/>
+              <a:t> </a:t>
+            </a:r>
+            <a:r>
+              <a:rPr lang="ko-KR" altLang="en-US" sz="1400" dirty="0"/>
+              <a:t>데이터 타입을 이용하여 데이터를 분석</a:t>
+            </a:r>
+          </a:p>
+        </p:txBody>
+      </p:sp>
+      <p:sp>
+        <p:nvSpPr>
+          <p:cNvPr id="51" name="직사각형 50">
+            <a:extLst>
+              <a:ext uri="{FF2B5EF4-FFF2-40B4-BE49-F238E27FC236}">
+                <a16:creationId xmlns:a16="http://schemas.microsoft.com/office/drawing/2014/main" id="{0DE364C7-D77C-4FAC-B51C-6D620C621629}"/>
+              </a:ext>
+            </a:extLst>
+          </p:cNvPr>
+          <p:cNvSpPr/>
+          <p:nvPr/>
+        </p:nvSpPr>
+        <p:spPr>
+          <a:xfrm>
+            <a:off x="8397379" y="4848837"/>
+            <a:ext cx="3330430" cy="982954"/>
+          </a:xfrm>
+          <a:prstGeom prst="rect">
+            <a:avLst/>
+          </a:prstGeom>
+          <a:noFill/>
+          <a:ln>
+            <a:solidFill>
+              <a:schemeClr val="accent1"/>
+            </a:solidFill>
+          </a:ln>
+        </p:spPr>
+        <p:style>
+          <a:lnRef idx="1">
+            <a:schemeClr val="accent5"/>
+          </a:lnRef>
+          <a:fillRef idx="2">
+            <a:schemeClr val="accent5"/>
+          </a:fillRef>
+          <a:effectRef idx="1">
+            <a:schemeClr val="accent5"/>
+          </a:effectRef>
+          <a:fontRef idx="minor">
+            <a:schemeClr val="dk1"/>
+          </a:fontRef>
+        </p:style>
+        <p:txBody>
+          <a:bodyPr rtlCol="0" anchor="ctr"/>
+          <a:lstStyle/>
+          <a:p>
+            <a:r>
+              <a:rPr lang="en-US" altLang="ko-KR" sz="1400" dirty="0"/>
+              <a:t>RDBMS</a:t>
+            </a:r>
+            <a:r>
+              <a:rPr lang="ko-KR" altLang="en-US" sz="1400" dirty="0"/>
+              <a:t>는 </a:t>
+            </a:r>
+            <a:r>
+              <a:rPr lang="en-US" altLang="ko-KR" sz="1400" dirty="0"/>
+              <a:t>SQL</a:t>
+            </a:r>
+            <a:r>
+              <a:rPr lang="ko-KR" altLang="en-US" sz="1400" dirty="0"/>
+              <a:t>언어를 사용하여 데이터를 테이블</a:t>
+            </a:r>
+            <a:r>
+              <a:rPr lang="en-US" altLang="ko-KR" sz="1400" dirty="0"/>
+              <a:t>(</a:t>
+            </a:r>
+            <a:r>
+              <a:rPr lang="ko-KR" altLang="en-US" sz="1400" dirty="0"/>
+              <a:t>표</a:t>
+            </a:r>
+            <a:r>
+              <a:rPr lang="en-US" altLang="ko-KR" sz="1400" dirty="0"/>
+              <a:t>) </a:t>
+            </a:r>
+            <a:r>
+              <a:rPr lang="ko-KR" altLang="en-US" sz="1400" dirty="0"/>
+              <a:t>형태로 저장</a:t>
+            </a:r>
+            <a:r>
+              <a:rPr lang="en-US" altLang="ko-KR" sz="1400" dirty="0"/>
+              <a:t>, </a:t>
+            </a:r>
+            <a:r>
+              <a:rPr lang="ko-KR" altLang="en-US" sz="1400" dirty="0"/>
+              <a:t>조작</a:t>
+            </a:r>
+            <a:r>
+              <a:rPr lang="en-US" altLang="ko-KR" sz="1400" dirty="0"/>
+              <a:t>,</a:t>
+            </a:r>
+            <a:r>
+              <a:rPr lang="ko-KR" altLang="en-US" sz="1400" dirty="0"/>
+              <a:t> 관리</a:t>
+            </a:r>
+          </a:p>
+        </p:txBody>
+      </p:sp>
+    </p:spTree>
+    <p:extLst>
+      <p:ext uri="{BB962C8B-B14F-4D97-AF65-F5344CB8AC3E}">
+        <p14:creationId xmlns:p14="http://schemas.microsoft.com/office/powerpoint/2010/main" val="2998669134"/>
       </p:ext>
     </p:extLst>
   </p:cSld>

--- a/documents/qubot.pptx
+++ b/documents/qubot.pptx
@@ -261,7 +261,7 @@
           <a:p>
             <a:fld id="{15D4E2C9-E631-47C2-838B-C53D0C99B7B6}" type="datetimeFigureOut">
               <a:rPr lang="ko-KR" altLang="en-US" smtClean="0"/>
-              <a:t>2021-01-17(Sun)</a:t>
+              <a:t>2021-02-28(Sun)</a:t>
             </a:fld>
             <a:endParaRPr lang="ko-KR" altLang="en-US"/>
           </a:p>
@@ -459,7 +459,7 @@
           <a:p>
             <a:fld id="{15D4E2C9-E631-47C2-838B-C53D0C99B7B6}" type="datetimeFigureOut">
               <a:rPr lang="ko-KR" altLang="en-US" smtClean="0"/>
-              <a:t>2021-01-17(Sun)</a:t>
+              <a:t>2021-02-28(Sun)</a:t>
             </a:fld>
             <a:endParaRPr lang="ko-KR" altLang="en-US"/>
           </a:p>
@@ -667,7 +667,7 @@
           <a:p>
             <a:fld id="{15D4E2C9-E631-47C2-838B-C53D0C99B7B6}" type="datetimeFigureOut">
               <a:rPr lang="ko-KR" altLang="en-US" smtClean="0"/>
-              <a:t>2021-01-17(Sun)</a:t>
+              <a:t>2021-02-28(Sun)</a:t>
             </a:fld>
             <a:endParaRPr lang="ko-KR" altLang="en-US"/>
           </a:p>
@@ -865,7 +865,7 @@
           <a:p>
             <a:fld id="{15D4E2C9-E631-47C2-838B-C53D0C99B7B6}" type="datetimeFigureOut">
               <a:rPr lang="ko-KR" altLang="en-US" smtClean="0"/>
-              <a:t>2021-01-17(Sun)</a:t>
+              <a:t>2021-02-28(Sun)</a:t>
             </a:fld>
             <a:endParaRPr lang="ko-KR" altLang="en-US"/>
           </a:p>
@@ -1140,7 +1140,7 @@
           <a:p>
             <a:fld id="{15D4E2C9-E631-47C2-838B-C53D0C99B7B6}" type="datetimeFigureOut">
               <a:rPr lang="ko-KR" altLang="en-US" smtClean="0"/>
-              <a:t>2021-01-17(Sun)</a:t>
+              <a:t>2021-02-28(Sun)</a:t>
             </a:fld>
             <a:endParaRPr lang="ko-KR" altLang="en-US"/>
           </a:p>
@@ -1405,7 +1405,7 @@
           <a:p>
             <a:fld id="{15D4E2C9-E631-47C2-838B-C53D0C99B7B6}" type="datetimeFigureOut">
               <a:rPr lang="ko-KR" altLang="en-US" smtClean="0"/>
-              <a:t>2021-01-17(Sun)</a:t>
+              <a:t>2021-02-28(Sun)</a:t>
             </a:fld>
             <a:endParaRPr lang="ko-KR" altLang="en-US"/>
           </a:p>
@@ -1817,7 +1817,7 @@
           <a:p>
             <a:fld id="{15D4E2C9-E631-47C2-838B-C53D0C99B7B6}" type="datetimeFigureOut">
               <a:rPr lang="ko-KR" altLang="en-US" smtClean="0"/>
-              <a:t>2021-01-17(Sun)</a:t>
+              <a:t>2021-02-28(Sun)</a:t>
             </a:fld>
             <a:endParaRPr lang="ko-KR" altLang="en-US"/>
           </a:p>
@@ -1958,7 +1958,7 @@
           <a:p>
             <a:fld id="{15D4E2C9-E631-47C2-838B-C53D0C99B7B6}" type="datetimeFigureOut">
               <a:rPr lang="ko-KR" altLang="en-US" smtClean="0"/>
-              <a:t>2021-01-17(Sun)</a:t>
+              <a:t>2021-02-28(Sun)</a:t>
             </a:fld>
             <a:endParaRPr lang="ko-KR" altLang="en-US"/>
           </a:p>
@@ -2071,7 +2071,7 @@
           <a:p>
             <a:fld id="{15D4E2C9-E631-47C2-838B-C53D0C99B7B6}" type="datetimeFigureOut">
               <a:rPr lang="ko-KR" altLang="en-US" smtClean="0"/>
-              <a:t>2021-01-17(Sun)</a:t>
+              <a:t>2021-02-28(Sun)</a:t>
             </a:fld>
             <a:endParaRPr lang="ko-KR" altLang="en-US"/>
           </a:p>
@@ -2382,7 +2382,7 @@
           <a:p>
             <a:fld id="{15D4E2C9-E631-47C2-838B-C53D0C99B7B6}" type="datetimeFigureOut">
               <a:rPr lang="ko-KR" altLang="en-US" smtClean="0"/>
-              <a:t>2021-01-17(Sun)</a:t>
+              <a:t>2021-02-28(Sun)</a:t>
             </a:fld>
             <a:endParaRPr lang="ko-KR" altLang="en-US"/>
           </a:p>
@@ -2670,7 +2670,7 @@
           <a:p>
             <a:fld id="{15D4E2C9-E631-47C2-838B-C53D0C99B7B6}" type="datetimeFigureOut">
               <a:rPr lang="ko-KR" altLang="en-US" smtClean="0"/>
-              <a:t>2021-01-17(Sun)</a:t>
+              <a:t>2021-02-28(Sun)</a:t>
             </a:fld>
             <a:endParaRPr lang="ko-KR" altLang="en-US"/>
           </a:p>
@@ -2911,7 +2911,7 @@
           <a:p>
             <a:fld id="{15D4E2C9-E631-47C2-838B-C53D0C99B7B6}" type="datetimeFigureOut">
               <a:rPr lang="ko-KR" altLang="en-US" smtClean="0"/>
-              <a:t>2021-01-17(Sun)</a:t>
+              <a:t>2021-02-28(Sun)</a:t>
             </a:fld>
             <a:endParaRPr lang="ko-KR" altLang="en-US"/>
           </a:p>
@@ -7214,6 +7214,59 @@
           </a:p>
         </p:txBody>
       </p:sp>
+      <p:sp>
+        <p:nvSpPr>
+          <p:cNvPr id="17" name="직사각형 16">
+            <a:extLst>
+              <a:ext uri="{FF2B5EF4-FFF2-40B4-BE49-F238E27FC236}">
+                <a16:creationId xmlns:a16="http://schemas.microsoft.com/office/drawing/2014/main" id="{C9394A54-8541-4D05-B6F5-838090CF0A89}"/>
+              </a:ext>
+            </a:extLst>
+          </p:cNvPr>
+          <p:cNvSpPr/>
+          <p:nvPr/>
+        </p:nvSpPr>
+        <p:spPr>
+          <a:xfrm>
+            <a:off x="5364411" y="1436677"/>
+            <a:ext cx="5599884" cy="1542528"/>
+          </a:xfrm>
+          <a:prstGeom prst="rect">
+            <a:avLst/>
+          </a:prstGeom>
+          <a:noFill/>
+          <a:ln>
+            <a:solidFill>
+              <a:srgbClr val="FF0000"/>
+            </a:solidFill>
+            <a:prstDash val="sysDot"/>
+          </a:ln>
+        </p:spPr>
+        <p:style>
+          <a:lnRef idx="2">
+            <a:schemeClr val="accent1">
+              <a:shade val="50000"/>
+            </a:schemeClr>
+          </a:lnRef>
+          <a:fillRef idx="1">
+            <a:schemeClr val="accent1"/>
+          </a:fillRef>
+          <a:effectRef idx="0">
+            <a:schemeClr val="accent1"/>
+          </a:effectRef>
+          <a:fontRef idx="minor">
+            <a:schemeClr val="lt1"/>
+          </a:fontRef>
+        </p:style>
+        <p:txBody>
+          <a:bodyPr rtlCol="0" anchor="ctr"/>
+          <a:lstStyle/>
+          <a:p>
+            <a:pPr algn="ctr"/>
+            <a:endParaRPr lang="ko-KR" altLang="en-US"/>
+          </a:p>
+        </p:txBody>
+      </p:sp>
     </p:spTree>
     <p:extLst>
       <p:ext uri="{BB962C8B-B14F-4D97-AF65-F5344CB8AC3E}">
